--- a/Slides/13 - Functions.pptx
+++ b/Slides/13 - Functions.pptx
@@ -638,7 +638,7 @@
               <a:rPr lang="en-US" smtClean="0">
                 <a:latin typeface="Segoe UI" pitchFamily="34" charset="0"/>
               </a:rPr>
-              <a:t>6/9/2019 7:30 AM</a:t>
+              <a:t>6/10/2019 3:13 PM</a:t>
             </a:fld>
             <a:endParaRPr lang="en-US" dirty="0">
               <a:latin typeface="Segoe UI" pitchFamily="34" charset="0"/>
@@ -916,7 +916,7 @@
           <a:p>
             <a:fld id="{38EEC551-8CDA-4EB6-89BB-2A86C9F091C8}" type="datetime8">
               <a:rPr lang="en-US" smtClean="0"/>
-              <a:t>6/9/2019 7:30 AM</a:t>
+              <a:t>6/10/2019 3:13 PM</a:t>
             </a:fld>
             <a:endParaRPr lang="en-US" dirty="0"/>
           </a:p>
@@ -1250,7 +1250,7 @@
           <a:p>
             <a:fld id="{6108602D-D426-4C00-B215-BFA18C076426}" type="datetime8">
               <a:rPr lang="en-US" smtClean="0"/>
-              <a:t>6/9/2019 7:30 AM</a:t>
+              <a:t>6/10/2019 3:13 PM</a:t>
             </a:fld>
             <a:endParaRPr lang="en-US" dirty="0"/>
           </a:p>
@@ -1415,7 +1415,7 @@
           <a:p>
             <a:fld id="{6108602D-D426-4C00-B215-BFA18C076426}" type="datetime8">
               <a:rPr lang="en-US" smtClean="0"/>
-              <a:t>6/9/2019 7:30 AM</a:t>
+              <a:t>6/10/2019 3:13 PM</a:t>
             </a:fld>
             <a:endParaRPr lang="en-US" dirty="0"/>
           </a:p>
@@ -1580,7 +1580,7 @@
           <a:p>
             <a:fld id="{6108602D-D426-4C00-B215-BFA18C076426}" type="datetime8">
               <a:rPr lang="en-US" smtClean="0"/>
-              <a:t>6/9/2019 7:30 AM</a:t>
+              <a:t>6/10/2019 3:13 PM</a:t>
             </a:fld>
             <a:endParaRPr lang="en-US" dirty="0"/>
           </a:p>
@@ -1745,7 +1745,7 @@
           <a:p>
             <a:fld id="{6108602D-D426-4C00-B215-BFA18C076426}" type="datetime8">
               <a:rPr lang="en-US" smtClean="0"/>
-              <a:t>6/9/2019 7:30 AM</a:t>
+              <a:t>6/10/2019 3:13 PM</a:t>
             </a:fld>
             <a:endParaRPr lang="en-US" dirty="0"/>
           </a:p>
@@ -1910,7 +1910,7 @@
           <a:p>
             <a:fld id="{6108602D-D426-4C00-B215-BFA18C076426}" type="datetime8">
               <a:rPr lang="en-US" smtClean="0"/>
-              <a:t>6/9/2019 7:30 AM</a:t>
+              <a:t>6/10/2019 3:13 PM</a:t>
             </a:fld>
             <a:endParaRPr lang="en-US" dirty="0"/>
           </a:p>
@@ -2075,7 +2075,7 @@
           <a:p>
             <a:fld id="{6108602D-D426-4C00-B215-BFA18C076426}" type="datetime8">
               <a:rPr lang="en-US" smtClean="0"/>
-              <a:t>6/9/2019 7:30 AM</a:t>
+              <a:t>6/10/2019 3:13 PM</a:t>
             </a:fld>
             <a:endParaRPr lang="en-US" dirty="0"/>
           </a:p>
@@ -2240,7 +2240,7 @@
           <a:p>
             <a:fld id="{6108602D-D426-4C00-B215-BFA18C076426}" type="datetime8">
               <a:rPr lang="en-US" smtClean="0"/>
-              <a:t>6/9/2019 7:30 AM</a:t>
+              <a:t>6/10/2019 3:13 PM</a:t>
             </a:fld>
             <a:endParaRPr lang="en-US" dirty="0"/>
           </a:p>
@@ -40558,11 +40558,11 @@
   <p:clrMapOvr>
     <a:masterClrMapping/>
   </p:clrMapOvr>
-  <mc:AlternateContent xmlns:mc="http://schemas.openxmlformats.org/markup-compatibility/2006">
-    <mc:Choice xmlns:p14="http://schemas.microsoft.com/office/powerpoint/2010/main" Requires="p14">
+  <mc:AlternateContent xmlns:mc="http://schemas.openxmlformats.org/markup-compatibility/2006" xmlns:p14="http://schemas.microsoft.com/office/powerpoint/2010/main">
+    <mc:Choice Requires="p14">
       <p:transition p14:dur="10"/>
     </mc:Choice>
-    <mc:Fallback>
+    <mc:Fallback xmlns="">
       <p:transition/>
     </mc:Fallback>
   </mc:AlternateContent>
@@ -40843,8 +40843,8 @@
         </p:nvSpPr>
         <p:spPr>
           <a:xfrm>
-            <a:off x="365760" y="5249862"/>
-            <a:ext cx="11704320" cy="1668149"/>
+            <a:off x="365760" y="5554662"/>
+            <a:ext cx="11704320" cy="1335750"/>
           </a:xfrm>
           <a:prstGeom prst="rect">
             <a:avLst/>
@@ -41081,7 +41081,7 @@
           </a:lstStyle>
           <a:p>
             <a:r>
-              <a:rPr lang="en-US" dirty="0">
+              <a:rPr lang="en-US" sz="2400" dirty="0">
                 <a:solidFill>
                   <a:schemeClr val="bg1"/>
                 </a:solidFill>
@@ -41091,7 +41091,7 @@
           </a:p>
           <a:p>
             <a:r>
-              <a:rPr lang="en-US" dirty="0">
+              <a:rPr lang="en-US" sz="2400" dirty="0">
                 <a:solidFill>
                   <a:schemeClr val="bg1"/>
                 </a:solidFill>
@@ -41101,14 +41101,14 @@
           </a:p>
           <a:p>
             <a:r>
-              <a:rPr lang="en-US" dirty="0">
+              <a:rPr lang="en-US" sz="2400" dirty="0">
                 <a:solidFill>
                   <a:schemeClr val="bg1"/>
                 </a:solidFill>
               </a:rPr>
-              <a:t>Your initials are: SJI</a:t>
-            </a:r>
-            <a:endParaRPr lang="en-CA" dirty="0"/>
+              <a:t>Your initials are: SI</a:t>
+            </a:r>
+            <a:endParaRPr lang="en-CA" sz="2400" dirty="0"/>
           </a:p>
         </p:txBody>
       </p:sp>
@@ -41618,8 +41618,8 @@
         </p:nvSpPr>
         <p:spPr>
           <a:xfrm>
-            <a:off x="341693" y="1211262"/>
-            <a:ext cx="11704320" cy="5416868"/>
+            <a:off x="7818437" y="1211262"/>
+            <a:ext cx="4227576" cy="5416868"/>
           </a:xfrm>
           <a:prstGeom prst="rect">
             <a:avLst/>
@@ -42372,8 +42372,8 @@
         </p:nvSpPr>
         <p:spPr>
           <a:xfrm>
-            <a:off x="341693" y="1439862"/>
-            <a:ext cx="11704320" cy="5416868"/>
+            <a:off x="7818437" y="1439862"/>
+            <a:ext cx="4227576" cy="5416868"/>
           </a:xfrm>
           <a:prstGeom prst="rect">
             <a:avLst/>
@@ -43126,7 +43126,7 @@
           <a:p>
             <a:r>
               <a:rPr lang="en-US" sz="2400" dirty="0"/>
-              <a:t>import datetime</a:t>
+              <a:t>from datetime import datetime</a:t>
             </a:r>
           </a:p>
           <a:p>
@@ -43209,7 +43209,7 @@
             </a:r>
             <a:r>
               <a:rPr lang="en-US" sz="2400" dirty="0" err="1"/>
-              <a:t>datetime.datetime.now</a:t>
+              <a:t>datetime.now</a:t>
             </a:r>
             <a:r>
               <a:rPr lang="en-US" sz="2400" dirty="0"/>
@@ -43276,7 +43276,7 @@
             </a:r>
             <a:r>
               <a:rPr lang="en-US" sz="2400" dirty="0" err="1"/>
-              <a:t>datetime.datetime.now</a:t>
+              <a:t>datetime.now</a:t>
             </a:r>
             <a:r>
               <a:rPr lang="en-US" sz="2400" dirty="0"/>
@@ -43308,8 +43308,8 @@
         </p:nvSpPr>
         <p:spPr>
           <a:xfrm>
-            <a:off x="365760" y="1211262"/>
-            <a:ext cx="11704320" cy="5416868"/>
+            <a:off x="7666037" y="1211262"/>
+            <a:ext cx="4404042" cy="5416868"/>
           </a:xfrm>
           <a:prstGeom prst="rect">
             <a:avLst/>
@@ -43853,7 +43853,7 @@
           <a:p>
             <a:r>
               <a:rPr lang="en-US" sz="2400" dirty="0"/>
-              <a:t>import datetime</a:t>
+              <a:t>from datetime import datetime</a:t>
             </a:r>
           </a:p>
           <a:p>
@@ -43920,7 +43920,7 @@
             </a:r>
             <a:r>
               <a:rPr lang="en-US" sz="2400" dirty="0" err="1"/>
-              <a:t>datetime.datetime.now</a:t>
+              <a:t>datetime.now</a:t>
             </a:r>
             <a:r>
               <a:rPr lang="en-US" sz="2400" dirty="0"/>
@@ -44045,8 +44045,8 @@
         </p:nvSpPr>
         <p:spPr>
           <a:xfrm>
-            <a:off x="274637" y="1204594"/>
-            <a:ext cx="11704320" cy="5416868"/>
+            <a:off x="7513637" y="1204594"/>
+            <a:ext cx="4465320" cy="5416868"/>
           </a:xfrm>
           <a:prstGeom prst="rect">
             <a:avLst/>
@@ -44770,8 +44770,8 @@
         </p:nvSpPr>
         <p:spPr>
           <a:xfrm>
-            <a:off x="274637" y="5249862"/>
-            <a:ext cx="11704320" cy="1668149"/>
+            <a:off x="274637" y="5514312"/>
+            <a:ext cx="11704320" cy="1335750"/>
           </a:xfrm>
           <a:prstGeom prst="rect">
             <a:avLst/>
@@ -45008,7 +45008,7 @@
           </a:lstStyle>
           <a:p>
             <a:r>
-              <a:rPr lang="en-US" dirty="0">
+              <a:rPr lang="en-US" sz="2400" dirty="0">
                 <a:solidFill>
                   <a:schemeClr val="bg1"/>
                 </a:solidFill>
@@ -45018,7 +45018,7 @@
           </a:p>
           <a:p>
             <a:r>
-              <a:rPr lang="en-US" dirty="0">
+              <a:rPr lang="en-US" sz="2400" dirty="0">
                 <a:solidFill>
                   <a:schemeClr val="bg1"/>
                 </a:solidFill>
@@ -45028,14 +45028,14 @@
           </a:p>
           <a:p>
             <a:r>
-              <a:rPr lang="en-US" dirty="0">
+              <a:rPr lang="en-US" sz="2400" dirty="0">
                 <a:solidFill>
                   <a:schemeClr val="bg1"/>
                 </a:solidFill>
               </a:rPr>
               <a:t>Your initials are: SI</a:t>
             </a:r>
-            <a:endParaRPr lang="en-CA" dirty="0"/>
+            <a:endParaRPr lang="en-CA" sz="2400" dirty="0"/>
           </a:p>
         </p:txBody>
       </p:sp>
@@ -45466,8 +45466,8 @@
         </p:nvSpPr>
         <p:spPr>
           <a:xfrm>
-            <a:off x="365760" y="5097462"/>
-            <a:ext cx="11704320" cy="1668149"/>
+            <a:off x="365760" y="5514312"/>
+            <a:ext cx="11704320" cy="1335750"/>
           </a:xfrm>
           <a:prstGeom prst="rect">
             <a:avLst/>
@@ -45704,7 +45704,7 @@
           </a:lstStyle>
           <a:p>
             <a:r>
-              <a:rPr lang="en-US" dirty="0">
+              <a:rPr lang="en-US" sz="2400" dirty="0">
                 <a:solidFill>
                   <a:schemeClr val="bg1"/>
                 </a:solidFill>
@@ -45714,7 +45714,7 @@
           </a:p>
           <a:p>
             <a:r>
-              <a:rPr lang="en-US" dirty="0">
+              <a:rPr lang="en-US" sz="2400" dirty="0">
                 <a:solidFill>
                   <a:schemeClr val="bg1"/>
                 </a:solidFill>
@@ -45724,7 +45724,7 @@
           </a:p>
           <a:p>
             <a:r>
-              <a:rPr lang="en-US" dirty="0">
+              <a:rPr lang="en-US" sz="2400" dirty="0">
                 <a:solidFill>
                   <a:schemeClr val="bg1"/>
                 </a:solidFill>
@@ -45732,14 +45732,14 @@
               <a:t>Your initials are: </a:t>
             </a:r>
             <a:r>
-              <a:rPr lang="en-US" dirty="0" err="1">
+              <a:rPr lang="en-US" sz="2400" dirty="0" err="1">
                 <a:solidFill>
                   <a:schemeClr val="bg1"/>
                 </a:solidFill>
               </a:rPr>
               <a:t>si</a:t>
             </a:r>
-            <a:endParaRPr lang="en-CA" dirty="0"/>
+            <a:endParaRPr lang="en-CA" sz="2400" dirty="0"/>
           </a:p>
         </p:txBody>
       </p:sp>
@@ -46114,8 +46114,8 @@
         </p:nvSpPr>
         <p:spPr>
           <a:xfrm>
-            <a:off x="365760" y="5173662"/>
-            <a:ext cx="11704320" cy="1668149"/>
+            <a:off x="365760" y="5514312"/>
+            <a:ext cx="11704320" cy="1335750"/>
           </a:xfrm>
           <a:prstGeom prst="rect">
             <a:avLst/>
@@ -46352,7 +46352,7 @@
           </a:lstStyle>
           <a:p>
             <a:r>
-              <a:rPr lang="en-US" dirty="0">
+              <a:rPr lang="en-US" sz="2400" dirty="0">
                 <a:solidFill>
                   <a:schemeClr val="bg1"/>
                 </a:solidFill>
@@ -46362,7 +46362,7 @@
           </a:p>
           <a:p>
             <a:r>
-              <a:rPr lang="en-US" dirty="0">
+              <a:rPr lang="en-US" sz="2400" dirty="0">
                 <a:solidFill>
                   <a:schemeClr val="bg1"/>
                 </a:solidFill>
@@ -46372,14 +46372,14 @@
           </a:p>
           <a:p>
             <a:r>
-              <a:rPr lang="en-US" dirty="0">
+              <a:rPr lang="en-US" sz="2400" dirty="0">
                 <a:solidFill>
                   <a:schemeClr val="bg1"/>
                 </a:solidFill>
               </a:rPr>
               <a:t>Your initials are: SI</a:t>
             </a:r>
-            <a:endParaRPr lang="en-CA" dirty="0"/>
+            <a:endParaRPr lang="en-CA" sz="2400" dirty="0"/>
           </a:p>
         </p:txBody>
       </p:sp>
@@ -47586,7 +47586,7 @@
 
 <file path=customXml/item1.xml><?xml version="1.0" encoding="utf-8"?>
 <Control xmlns="http://schemas.microsoft.com/VisualStudio/2011/storyboarding/control">
-  <Id Name="369f9055-6b6c-48b9-9320-5df2d46c430a" Revision="1" Stencil="7276b9ef-3953-4dce-a89b-ed85f20b8b93" StencilVersion="1.0"/>
+  <Id Name="fb22c541-ded0-47fa-8877-83a4c2d16227" Revision="1" Stencil="7276b9ef-3953-4dce-a89b-ed85f20b8b93" StencilVersion="1.0"/>
 </Control>
 </file>
 
@@ -47597,51 +47597,30 @@
 </file>
 
 <file path=customXml/item11.xml><?xml version="1.0" encoding="utf-8"?>
+<Control xmlns="http://schemas.microsoft.com/VisualStudio/2011/storyboarding/control">
+  <Id Name="fb22c541-ded0-47fa-8877-83a4c2d16227" Revision="1" Stencil="7276b9ef-3953-4dce-a89b-ed85f20b8b93" StencilVersion="1.0"/>
+</Control>
+</file>
+
+<file path=customXml/item12.xml><?xml version="1.0" encoding="utf-8"?>
+<Control xmlns="http://schemas.microsoft.com/VisualStudio/2011/storyboarding/control">
+  <Id Name="a53d73d2-368b-429e-b817-1324eec1382c" Revision="1" Stencil="7276b9ef-3953-4dce-a89b-ed85f20b8b93" StencilVersion="1.0"/>
+</Control>
+</file>
+
+<file path=customXml/item13.xml><?xml version="1.0" encoding="utf-8"?>
+<Control xmlns="http://schemas.microsoft.com/VisualStudio/2011/storyboarding/control">
+  <Id Name="a2191c86-fc50-4add-948c-129f6b5a88d8" Revision="1" Stencil="7276b9ef-3953-4dce-a89b-ed85f20b8b93" StencilVersion="1.0"/>
+</Control>
+</file>
+
+<file path=customXml/item14.xml><?xml version="1.0" encoding="utf-8"?>
 <?mso-contentType ?>
 <FormTemplates xmlns="http://schemas.microsoft.com/sharepoint/v3/contenttype/forms">
   <Display>DocumentLibraryForm</Display>
   <Edit>DocumentLibraryForm</Edit>
   <New>DocumentLibraryForm</New>
 </FormTemplates>
-</file>
-
-<file path=customXml/item12.xml><?xml version="1.0" encoding="utf-8"?>
-<Control xmlns="http://schemas.microsoft.com/VisualStudio/2011/storyboarding/control">
-  <Id Name="a2191c86-fc50-4add-948c-129f6b5a88d8" Revision="1" Stencil="7276b9ef-3953-4dce-a89b-ed85f20b8b93" StencilVersion="1.0"/>
-</Control>
-</file>
-
-<file path=customXml/item13.xml><?xml version="1.0" encoding="utf-8"?>
-<?mso-contentType ?>
-<FormTemplates xmlns="http://schemas.microsoft.com/sharepoint/v3/contenttype/forms">
-  <Display>DocumentLibraryForm</Display>
-  <Edit>DocumentLibraryForm</Edit>
-  <New>DocumentLibraryForm</New>
-</FormTemplates>
-</file>
-
-<file path=customXml/item14.xml><?xml version="1.0" encoding="utf-8"?>
-<p:properties xmlns:p="http://schemas.microsoft.com/office/2006/metadata/properties" xmlns:xsi="http://www.w3.org/2001/XMLSchema-instance" xmlns:pc="http://schemas.microsoft.com/office/infopath/2007/PartnerControls">
-  <documentManagement>
-    <SharedWithUsers xmlns="83cd2334-221a-48c3-9034-bfd1542dfe28">
-      <UserInfo>
-        <DisplayName>Gilad Turbahn</DisplayName>
-        <AccountId>511</AccountId>
-        <AccountType/>
-      </UserInfo>
-      <UserInfo>
-        <DisplayName>Keith Boyd</DisplayName>
-        <AccountId>993</AccountId>
-        <AccountType/>
-      </UserInfo>
-      <UserInfo>
-        <DisplayName>Christopher Harrison</DisplayName>
-        <AccountId>1176</AccountId>
-        <AccountType/>
-      </UserInfo>
-    </SharedWithUsers>
-  </documentManagement>
-</p:properties>
 </file>
 
 <file path=customXml/item15.xml><?xml version="1.0" encoding="utf-8"?>
@@ -47669,6 +47648,51 @@
 </file>
 
 <file path=customXml/item16.xml><?xml version="1.0" encoding="utf-8"?>
+<Control xmlns="http://schemas.microsoft.com/VisualStudio/2011/storyboarding/control">
+  <Id Name="a53d73d2-368b-429e-b817-1324eec1382c" Revision="1" Stencil="7276b9ef-3953-4dce-a89b-ed85f20b8b93" StencilVersion="1.0"/>
+</Control>
+</file>
+
+<file path=customXml/item17.xml><?xml version="1.0" encoding="utf-8"?>
+<Control xmlns="http://schemas.microsoft.com/VisualStudio/2011/storyboarding/control">
+  <Id Name="d69996e1-3d61-4686-9b63-f1b855c596ab" Revision="1" Stencil="7276b9ef-3953-4dce-a89b-ed85f20b8b93" StencilVersion="1.0"/>
+</Control>
+</file>
+
+<file path=customXml/item18.xml><?xml version="1.0" encoding="utf-8"?>
+<?mso-contentType ?>
+<FormTemplates xmlns="http://schemas.microsoft.com/sharepoint/v3/contenttype/forms">
+  <Display>DocumentLibraryForm</Display>
+  <Edit>DocumentLibraryForm</Edit>
+  <New>DocumentLibraryForm</New>
+</FormTemplates>
+</file>
+
+<file path=customXml/item19.xml><?xml version="1.0" encoding="utf-8"?>
+<Control xmlns="http://schemas.microsoft.com/VisualStudio/2011/storyboarding/control">
+  <Id Name="a2191c86-fc50-4add-948c-129f6b5a88d8" Revision="1" Stencil="7276b9ef-3953-4dce-a89b-ed85f20b8b93" StencilVersion="1.0"/>
+</Control>
+</file>
+
+<file path=customXml/item2.xml><?xml version="1.0" encoding="utf-8"?>
+<Control xmlns="http://schemas.microsoft.com/VisualStudio/2011/storyboarding/control">
+  <Id Name="fb22c541-ded0-47fa-8877-83a4c2d16227" Revision="1" Stencil="7276b9ef-3953-4dce-a89b-ed85f20b8b93" StencilVersion="1.0"/>
+</Control>
+</file>
+
+<file path=customXml/item20.xml><?xml version="1.0" encoding="utf-8"?>
+<Control xmlns="http://schemas.microsoft.com/VisualStudio/2011/storyboarding/control">
+  <Id Name="fb22c541-ded0-47fa-8877-83a4c2d16227" Revision="1" Stencil="7276b9ef-3953-4dce-a89b-ed85f20b8b93" StencilVersion="1.0"/>
+</Control>
+</file>
+
+<file path=customXml/item21.xml><?xml version="1.0" encoding="utf-8"?>
+<Control xmlns="http://schemas.microsoft.com/VisualStudio/2011/storyboarding/control">
+  <Id Name="a53d73d2-368b-429e-b817-1324eec1382c" Revision="1" Stencil="7276b9ef-3953-4dce-a89b-ed85f20b8b93" StencilVersion="1.0"/>
+</Control>
+</file>
+
+<file path=customXml/item22.xml><?xml version="1.0" encoding="utf-8"?>
 <p:properties xmlns:p="http://schemas.microsoft.com/office/2006/metadata/properties" xmlns:xsi="http://www.w3.org/2001/XMLSchema-instance" xmlns:pc="http://schemas.microsoft.com/office/infopath/2007/PartnerControls">
   <documentManagement>
     <SharedWithUsers xmlns="83cd2334-221a-48c3-9034-bfd1542dfe28">
@@ -47692,7 +47716,67 @@
 </p:properties>
 </file>
 
-<file path=customXml/item17.xml><?xml version="1.0" encoding="utf-8"?>
+<file path=customXml/item23.xml><?xml version="1.0" encoding="utf-8"?>
+<p:properties xmlns:p="http://schemas.microsoft.com/office/2006/metadata/properties" xmlns:xsi="http://www.w3.org/2001/XMLSchema-instance" xmlns:pc="http://schemas.microsoft.com/office/infopath/2007/PartnerControls">
+  <documentManagement>
+    <SharedWithUsers xmlns="83cd2334-221a-48c3-9034-bfd1542dfe28">
+      <UserInfo>
+        <DisplayName>Gilad Turbahn</DisplayName>
+        <AccountId>511</AccountId>
+        <AccountType/>
+      </UserInfo>
+      <UserInfo>
+        <DisplayName>Keith Boyd</DisplayName>
+        <AccountId>993</AccountId>
+        <AccountType/>
+      </UserInfo>
+      <UserInfo>
+        <DisplayName>Christopher Harrison</DisplayName>
+        <AccountId>1176</AccountId>
+        <AccountType/>
+      </UserInfo>
+    </SharedWithUsers>
+  </documentManagement>
+</p:properties>
+</file>
+
+<file path=customXml/item24.xml><?xml version="1.0" encoding="utf-8"?>
+<Control xmlns="http://schemas.microsoft.com/VisualStudio/2011/storyboarding/control">
+  <Id Name="a53d73d2-368b-429e-b817-1324eec1382c" Revision="1" Stencil="7276b9ef-3953-4dce-a89b-ed85f20b8b93" StencilVersion="1.0"/>
+</Control>
+</file>
+
+<file path=customXml/item25.xml><?xml version="1.0" encoding="utf-8"?>
+<Control xmlns="http://schemas.microsoft.com/VisualStudio/2011/storyboarding/control">
+  <Id Name="a53d73d2-368b-429e-b817-1324eec1382c" Revision="1" Stencil="7276b9ef-3953-4dce-a89b-ed85f20b8b93" StencilVersion="1.0"/>
+</Control>
+</file>
+
+<file path=customXml/item26.xml><?xml version="1.0" encoding="utf-8"?>
+<p:properties xmlns:p="http://schemas.microsoft.com/office/2006/metadata/properties" xmlns:xsi="http://www.w3.org/2001/XMLSchema-instance" xmlns:pc="http://schemas.microsoft.com/office/infopath/2007/PartnerControls">
+  <documentManagement>
+    <SharedWithUsers xmlns="83cd2334-221a-48c3-9034-bfd1542dfe28">
+      <UserInfo>
+        <DisplayName>Gilad Turbahn</DisplayName>
+        <AccountId>511</AccountId>
+        <AccountType/>
+      </UserInfo>
+      <UserInfo>
+        <DisplayName>Keith Boyd</DisplayName>
+        <AccountId>993</AccountId>
+        <AccountType/>
+      </UserInfo>
+      <UserInfo>
+        <DisplayName>Christopher Harrison</DisplayName>
+        <AccountId>1176</AccountId>
+        <AccountType/>
+      </UserInfo>
+    </SharedWithUsers>
+  </documentManagement>
+</p:properties>
+</file>
+
+<file path=customXml/item27.xml><?xml version="1.0" encoding="utf-8"?>
 <?mso-contentType ?>
 <FormTemplates xmlns="http://schemas.microsoft.com/sharepoint/v3/contenttype/forms">
   <Display>DocumentLibraryForm</Display>
@@ -47701,7 +47785,79 @@
 </FormTemplates>
 </file>
 
-<file path=customXml/item18.xml><?xml version="1.0" encoding="utf-8"?>
+<file path=customXml/item28.xml><?xml version="1.0" encoding="utf-8"?>
+<Control xmlns="http://schemas.microsoft.com/VisualStudio/2011/storyboarding/control">
+  <Id Name="a2191c86-fc50-4add-948c-129f6b5a88d8" Revision="1" Stencil="7276b9ef-3953-4dce-a89b-ed85f20b8b93" StencilVersion="1.0"/>
+</Control>
+</file>
+
+<file path=customXml/item29.xml><?xml version="1.0" encoding="utf-8"?>
+<Control xmlns="http://schemas.microsoft.com/VisualStudio/2011/storyboarding/control">
+  <Id Name="d69996e1-3d61-4686-9b63-f1b855c596ab" Revision="1" Stencil="7276b9ef-3953-4dce-a89b-ed85f20b8b93" StencilVersion="1.0"/>
+</Control>
+</file>
+
+<file path=customXml/item3.xml><?xml version="1.0" encoding="utf-8"?>
+<Control xmlns="http://schemas.microsoft.com/VisualStudio/2011/storyboarding/control">
+  <Id Name="369f9055-6b6c-48b9-9320-5df2d46c430a" Revision="1" Stencil="7276b9ef-3953-4dce-a89b-ed85f20b8b93" StencilVersion="1.0"/>
+</Control>
+</file>
+
+<file path=customXml/item30.xml><?xml version="1.0" encoding="utf-8"?>
+<Control xmlns="http://schemas.microsoft.com/VisualStudio/2011/storyboarding/control">
+  <Id Name="369f9055-6b6c-48b9-9320-5df2d46c430a" Revision="1" Stencil="7276b9ef-3953-4dce-a89b-ed85f20b8b93" StencilVersion="1.0"/>
+</Control>
+</file>
+
+<file path=customXml/item31.xml><?xml version="1.0" encoding="utf-8"?>
+<Control xmlns="http://schemas.microsoft.com/VisualStudio/2011/storyboarding/control">
+  <Id Name="a2191c86-fc50-4add-948c-129f6b5a88d8" Revision="1" Stencil="7276b9ef-3953-4dce-a89b-ed85f20b8b93" StencilVersion="1.0"/>
+</Control>
+</file>
+
+<file path=customXml/item32.xml><?xml version="1.0" encoding="utf-8"?>
+<Control xmlns="http://schemas.microsoft.com/VisualStudio/2011/storyboarding/control">
+  <Id Name="a2191c86-fc50-4add-948c-129f6b5a88d8" Revision="1" Stencil="7276b9ef-3953-4dce-a89b-ed85f20b8b93" StencilVersion="1.0"/>
+</Control>
+</file>
+
+<file path=customXml/item33.xml><?xml version="1.0" encoding="utf-8"?>
+<p:properties xmlns:p="http://schemas.microsoft.com/office/2006/metadata/properties" xmlns:xsi="http://www.w3.org/2001/XMLSchema-instance" xmlns:pc="http://schemas.microsoft.com/office/infopath/2007/PartnerControls">
+  <documentManagement>
+    <SharedWithUsers xmlns="83cd2334-221a-48c3-9034-bfd1542dfe28">
+      <UserInfo>
+        <DisplayName>Gilad Turbahn</DisplayName>
+        <AccountId>511</AccountId>
+        <AccountType/>
+      </UserInfo>
+      <UserInfo>
+        <DisplayName>Keith Boyd</DisplayName>
+        <AccountId>993</AccountId>
+        <AccountType/>
+      </UserInfo>
+      <UserInfo>
+        <DisplayName>Christopher Harrison</DisplayName>
+        <AccountId>1176</AccountId>
+        <AccountType/>
+      </UserInfo>
+    </SharedWithUsers>
+  </documentManagement>
+</p:properties>
+</file>
+
+<file path=customXml/item34.xml><?xml version="1.0" encoding="utf-8"?>
+<Control xmlns="http://schemas.microsoft.com/VisualStudio/2011/storyboarding/control">
+  <Id Name="d69996e1-3d61-4686-9b63-f1b855c596ab" Revision="1" Stencil="7276b9ef-3953-4dce-a89b-ed85f20b8b93" StencilVersion="1.0"/>
+</Control>
+</file>
+
+<file path=customXml/item35.xml><?xml version="1.0" encoding="utf-8"?>
+<Control xmlns="http://schemas.microsoft.com/VisualStudio/2011/storyboarding/control">
+  <Id Name="a2191c86-fc50-4add-948c-129f6b5a88d8" Revision="1" Stencil="7276b9ef-3953-4dce-a89b-ed85f20b8b93" StencilVersion="1.0"/>
+</Control>
+</file>
+
+<file path=customXml/item36.xml><?xml version="1.0" encoding="utf-8"?>
 <?mso-contentType ?>
 <FormTemplates xmlns="http://schemas.microsoft.com/sharepoint/v3/contenttype/forms">
   <Display>DocumentLibraryForm</Display>
@@ -47710,19 +47866,76 @@
 </FormTemplates>
 </file>
 
-<file path=customXml/item19.xml><?xml version="1.0" encoding="utf-8"?>
+<file path=customXml/item37.xml><?xml version="1.0" encoding="utf-8"?>
+<p:properties xmlns:p="http://schemas.microsoft.com/office/2006/metadata/properties" xmlns:xsi="http://www.w3.org/2001/XMLSchema-instance" xmlns:pc="http://schemas.microsoft.com/office/infopath/2007/PartnerControls">
+  <documentManagement>
+    <SharedWithUsers xmlns="83cd2334-221a-48c3-9034-bfd1542dfe28">
+      <UserInfo>
+        <DisplayName>Gilad Turbahn</DisplayName>
+        <AccountId>511</AccountId>
+        <AccountType/>
+      </UserInfo>
+      <UserInfo>
+        <DisplayName>Keith Boyd</DisplayName>
+        <AccountId>993</AccountId>
+        <AccountType/>
+      </UserInfo>
+      <UserInfo>
+        <DisplayName>Christopher Harrison</DisplayName>
+        <AccountId>1176</AccountId>
+        <AccountType/>
+      </UserInfo>
+    </SharedWithUsers>
+  </documentManagement>
+</p:properties>
+</file>
+
+<file path=customXml/item38.xml><?xml version="1.0" encoding="utf-8"?>
+<?mso-contentType ?>
+<FormTemplates xmlns="http://schemas.microsoft.com/sharepoint/v3/contenttype/forms">
+  <Display>DocumentLibraryForm</Display>
+  <Edit>DocumentLibraryForm</Edit>
+  <New>DocumentLibraryForm</New>
+</FormTemplates>
+</file>
+
+<file path=customXml/item39.xml><?xml version="1.0" encoding="utf-8"?>
 <Control xmlns="http://schemas.microsoft.com/VisualStudio/2011/storyboarding/control">
   <Id Name="a53d73d2-368b-429e-b817-1324eec1382c" Revision="1" Stencil="7276b9ef-3953-4dce-a89b-ed85f20b8b93" StencilVersion="1.0"/>
 </Control>
 </file>
 
-<file path=customXml/item2.xml><?xml version="1.0" encoding="utf-8"?>
+<file path=customXml/item4.xml><?xml version="1.0" encoding="utf-8"?>
+<p:properties xmlns:p="http://schemas.microsoft.com/office/2006/metadata/properties" xmlns:xsi="http://www.w3.org/2001/XMLSchema-instance" xmlns:pc="http://schemas.microsoft.com/office/infopath/2007/PartnerControls">
+  <documentManagement>
+    <SharedWithUsers xmlns="83cd2334-221a-48c3-9034-bfd1542dfe28">
+      <UserInfo>
+        <DisplayName>Gilad Turbahn</DisplayName>
+        <AccountId>511</AccountId>
+        <AccountType/>
+      </UserInfo>
+      <UserInfo>
+        <DisplayName>Keith Boyd</DisplayName>
+        <AccountId>993</AccountId>
+        <AccountType/>
+      </UserInfo>
+      <UserInfo>
+        <DisplayName>Christopher Harrison</DisplayName>
+        <AccountId>1176</AccountId>
+        <AccountType/>
+      </UserInfo>
+    </SharedWithUsers>
+  </documentManagement>
+</p:properties>
+</file>
+
+<file path=customXml/item40.xml><?xml version="1.0" encoding="utf-8"?>
 <Control xmlns="http://schemas.microsoft.com/VisualStudio/2011/storyboarding/control">
-  <Id Name="369f9055-6b6c-48b9-9320-5df2d46c430a" Revision="1" Stencil="7276b9ef-3953-4dce-a89b-ed85f20b8b93" StencilVersion="1.0"/>
+  <Id Name="d69996e1-3d61-4686-9b63-f1b855c596ab" Revision="1" Stencil="7276b9ef-3953-4dce-a89b-ed85f20b8b93" StencilVersion="1.0"/>
 </Control>
 </file>
 
-<file path=customXml/item20.xml><?xml version="1.0" encoding="utf-8"?>
+<file path=customXml/item41.xml><?xml version="1.0" encoding="utf-8"?>
 <ct:contentTypeSchema xmlns:ct="http://schemas.microsoft.com/office/2006/metadata/contentType" xmlns:ma="http://schemas.microsoft.com/office/2006/metadata/properties/metaAttributes" ct:_="" ma:_="" ma:contentTypeName="Document" ma:contentTypeID="0x010100674EDBEC711BD14FBA6FF5C10FEFEAC7" ma:contentTypeVersion="2" ma:contentTypeDescription="Create a new document." ma:contentTypeScope="" ma:versionID="2439c5e21841780d4f192983b535a097">
   <xsd:schema xmlns:xsd="http://www.w3.org/2001/XMLSchema" xmlns:xs="http://www.w3.org/2001/XMLSchema" xmlns:p="http://schemas.microsoft.com/office/2006/metadata/properties" xmlns:ns2="83cd2334-221a-48c3-9034-bfd1542dfe28" targetNamespace="http://schemas.microsoft.com/office/2006/metadata/properties" ma:root="true" ma:fieldsID="2bca9163d8d0b233c3086236a9289b04" ns2:_="">
     <xsd:import namespace="83cd2334-221a-48c3-9034-bfd1542dfe28"/>
@@ -47870,7 +48083,13 @@
 </ct:contentTypeSchema>
 </file>
 
-<file path=customXml/item21.xml><?xml version="1.0" encoding="utf-8"?>
+<file path=customXml/item42.xml><?xml version="1.0" encoding="utf-8"?>
+<Control xmlns="http://schemas.microsoft.com/VisualStudio/2011/storyboarding/control">
+  <Id Name="369f9055-6b6c-48b9-9320-5df2d46c430a" Revision="1" Stencil="7276b9ef-3953-4dce-a89b-ed85f20b8b93" StencilVersion="1.0"/>
+</Control>
+</file>
+
+<file path=customXml/item43.xml><?xml version="1.0" encoding="utf-8"?>
 <?mso-contentType ?>
 <FormTemplates xmlns="http://schemas.microsoft.com/sharepoint/v3/contenttype/forms">
   <Display>DocumentLibraryForm</Display>
@@ -47879,7 +48098,7 @@
 </FormTemplates>
 </file>
 
-<file path=customXml/item22.xml><?xml version="1.0" encoding="utf-8"?>
+<file path=customXml/item44.xml><?xml version="1.0" encoding="utf-8"?>
 <?mso-contentType ?>
 <FormTemplates xmlns="http://schemas.microsoft.com/sharepoint/v3/contenttype/forms">
   <Display>DocumentLibraryForm</Display>
@@ -47888,19 +48107,28 @@
 </FormTemplates>
 </file>
 
-<file path=customXml/item23.xml><?xml version="1.0" encoding="utf-8"?>
+<file path=customXml/item45.xml><?xml version="1.0" encoding="utf-8"?>
 <Control xmlns="http://schemas.microsoft.com/VisualStudio/2011/storyboarding/control">
-  <Id Name="a53d73d2-368b-429e-b817-1324eec1382c" Revision="1" Stencil="7276b9ef-3953-4dce-a89b-ed85f20b8b93" StencilVersion="1.0"/>
+  <Id Name="369f9055-6b6c-48b9-9320-5df2d46c430a" Revision="1" Stencil="7276b9ef-3953-4dce-a89b-ed85f20b8b93" StencilVersion="1.0"/>
 </Control>
 </file>
 
-<file path=customXml/item24.xml><?xml version="1.0" encoding="utf-8"?>
+<file path=customXml/item46.xml><?xml version="1.0" encoding="utf-8"?>
 <Control xmlns="http://schemas.microsoft.com/VisualStudio/2011/storyboarding/control">
-  <Id Name="d69996e1-3d61-4686-9b63-f1b855c596ab" Revision="1" Stencil="7276b9ef-3953-4dce-a89b-ed85f20b8b93" StencilVersion="1.0"/>
+  <Id Name="369f9055-6b6c-48b9-9320-5df2d46c430a" Revision="1" Stencil="7276b9ef-3953-4dce-a89b-ed85f20b8b93" StencilVersion="1.0"/>
 </Control>
 </file>
 
-<file path=customXml/item25.xml><?xml version="1.0" encoding="utf-8"?>
+<file path=customXml/item47.xml><?xml version="1.0" encoding="utf-8"?>
+<?mso-contentType ?>
+<FormTemplates xmlns="http://schemas.microsoft.com/sharepoint/v3/contenttype/forms">
+  <Display>DocumentLibraryForm</Display>
+  <Edit>DocumentLibraryForm</Edit>
+  <New>DocumentLibraryForm</New>
+</FormTemplates>
+</file>
+
+<file path=customXml/item48.xml><?xml version="1.0" encoding="utf-8"?>
 <p:properties xmlns:p="http://schemas.microsoft.com/office/2006/metadata/properties" xmlns:xsi="http://www.w3.org/2001/XMLSchema-instance" xmlns:pc="http://schemas.microsoft.com/office/infopath/2007/PartnerControls">
   <documentManagement>
     <SharedWithUsers xmlns="83cd2334-221a-48c3-9034-bfd1542dfe28">
@@ -47924,43 +48152,25 @@
 </p:properties>
 </file>
 
-<file path=customXml/item26.xml><?xml version="1.0" encoding="utf-8"?>
+<file path=customXml/item49.xml><?xml version="1.0" encoding="utf-8"?>
+<Control xmlns="http://schemas.microsoft.com/VisualStudio/2011/storyboarding/control">
+  <Id Name="fb22c541-ded0-47fa-8877-83a4c2d16227" Revision="1" Stencil="7276b9ef-3953-4dce-a89b-ed85f20b8b93" StencilVersion="1.0"/>
+</Control>
+</file>
+
+<file path=customXml/item5.xml><?xml version="1.0" encoding="utf-8"?>
+<Control xmlns="http://schemas.microsoft.com/VisualStudio/2011/storyboarding/control">
+  <Id Name="d69996e1-3d61-4686-9b63-f1b855c596ab" Revision="1" Stencil="7276b9ef-3953-4dce-a89b-ed85f20b8b93" StencilVersion="1.0"/>
+</Control>
+</file>
+
+<file path=customXml/item6.xml><?xml version="1.0" encoding="utf-8"?>
 <Control xmlns="http://schemas.microsoft.com/VisualStudio/2011/storyboarding/control">
   <Id Name="369f9055-6b6c-48b9-9320-5df2d46c430a" Revision="1" Stencil="7276b9ef-3953-4dce-a89b-ed85f20b8b93" StencilVersion="1.0"/>
 </Control>
 </file>
 
-<file path=customXml/item27.xml><?xml version="1.0" encoding="utf-8"?>
-<Control xmlns="http://schemas.microsoft.com/VisualStudio/2011/storyboarding/control">
-  <Id Name="a2191c86-fc50-4add-948c-129f6b5a88d8" Revision="1" Stencil="7276b9ef-3953-4dce-a89b-ed85f20b8b93" StencilVersion="1.0"/>
-</Control>
-</file>
-
-<file path=customXml/item28.xml><?xml version="1.0" encoding="utf-8"?>
-<Control xmlns="http://schemas.microsoft.com/VisualStudio/2011/storyboarding/control">
-  <Id Name="d69996e1-3d61-4686-9b63-f1b855c596ab" Revision="1" Stencil="7276b9ef-3953-4dce-a89b-ed85f20b8b93" StencilVersion="1.0"/>
-</Control>
-</file>
-
-<file path=customXml/item29.xml><?xml version="1.0" encoding="utf-8"?>
-<Control xmlns="http://schemas.microsoft.com/VisualStudio/2011/storyboarding/control">
-  <Id Name="d69996e1-3d61-4686-9b63-f1b855c596ab" Revision="1" Stencil="7276b9ef-3953-4dce-a89b-ed85f20b8b93" StencilVersion="1.0"/>
-</Control>
-</file>
-
-<file path=customXml/item3.xml><?xml version="1.0" encoding="utf-8"?>
-<Control xmlns="http://schemas.microsoft.com/VisualStudio/2011/storyboarding/control">
-  <Id Name="d69996e1-3d61-4686-9b63-f1b855c596ab" Revision="1" Stencil="7276b9ef-3953-4dce-a89b-ed85f20b8b93" StencilVersion="1.0"/>
-</Control>
-</file>
-
-<file path=customXml/item30.xml><?xml version="1.0" encoding="utf-8"?>
-<Control xmlns="http://schemas.microsoft.com/VisualStudio/2011/storyboarding/control">
-  <Id Name="d69996e1-3d61-4686-9b63-f1b855c596ab" Revision="1" Stencil="7276b9ef-3953-4dce-a89b-ed85f20b8b93" StencilVersion="1.0"/>
-</Control>
-</file>
-
-<file path=customXml/item31.xml><?xml version="1.0" encoding="utf-8"?>
+<file path=customXml/item7.xml><?xml version="1.0" encoding="utf-8"?>
 <p:properties xmlns:p="http://schemas.microsoft.com/office/2006/metadata/properties" xmlns:xsi="http://www.w3.org/2001/XMLSchema-instance" xmlns:pc="http://schemas.microsoft.com/office/infopath/2007/PartnerControls">
   <documentManagement>
     <SharedWithUsers xmlns="83cd2334-221a-48c3-9034-bfd1542dfe28">
@@ -47984,13 +48194,7 @@
 </p:properties>
 </file>
 
-<file path=customXml/item32.xml><?xml version="1.0" encoding="utf-8"?>
-<Control xmlns="http://schemas.microsoft.com/VisualStudio/2011/storyboarding/control">
-  <Id Name="fb22c541-ded0-47fa-8877-83a4c2d16227" Revision="1" Stencil="7276b9ef-3953-4dce-a89b-ed85f20b8b93" StencilVersion="1.0"/>
-</Control>
-</file>
-
-<file path=customXml/item33.xml><?xml version="1.0" encoding="utf-8"?>
+<file path=customXml/item8.xml><?xml version="1.0" encoding="utf-8"?>
 <?mso-contentType ?>
 <FormTemplates xmlns="http://schemas.microsoft.com/sharepoint/v3/contenttype/forms">
   <Display>DocumentLibraryForm</Display>
@@ -47999,218 +48203,14 @@
 </FormTemplates>
 </file>
 
-<file path=customXml/item34.xml><?xml version="1.0" encoding="utf-8"?>
-<p:properties xmlns:p="http://schemas.microsoft.com/office/2006/metadata/properties" xmlns:xsi="http://www.w3.org/2001/XMLSchema-instance" xmlns:pc="http://schemas.microsoft.com/office/infopath/2007/PartnerControls">
-  <documentManagement>
-    <SharedWithUsers xmlns="83cd2334-221a-48c3-9034-bfd1542dfe28">
-      <UserInfo>
-        <DisplayName>Gilad Turbahn</DisplayName>
-        <AccountId>511</AccountId>
-        <AccountType/>
-      </UserInfo>
-      <UserInfo>
-        <DisplayName>Keith Boyd</DisplayName>
-        <AccountId>993</AccountId>
-        <AccountType/>
-      </UserInfo>
-      <UserInfo>
-        <DisplayName>Christopher Harrison</DisplayName>
-        <AccountId>1176</AccountId>
-        <AccountType/>
-      </UserInfo>
-    </SharedWithUsers>
-  </documentManagement>
-</p:properties>
-</file>
-
-<file path=customXml/item35.xml><?xml version="1.0" encoding="utf-8"?>
-<Control xmlns="http://schemas.microsoft.com/VisualStudio/2011/storyboarding/control">
-  <Id Name="369f9055-6b6c-48b9-9320-5df2d46c430a" Revision="1" Stencil="7276b9ef-3953-4dce-a89b-ed85f20b8b93" StencilVersion="1.0"/>
-</Control>
-</file>
-
-<file path=customXml/item36.xml><?xml version="1.0" encoding="utf-8"?>
-<?mso-contentType ?>
-<FormTemplates xmlns="http://schemas.microsoft.com/sharepoint/v3/contenttype/forms">
-  <Display>DocumentLibraryForm</Display>
-  <Edit>DocumentLibraryForm</Edit>
-  <New>DocumentLibraryForm</New>
-</FormTemplates>
-</file>
-
-<file path=customXml/item37.xml><?xml version="1.0" encoding="utf-8"?>
-<Control xmlns="http://schemas.microsoft.com/VisualStudio/2011/storyboarding/control">
-  <Id Name="fb22c541-ded0-47fa-8877-83a4c2d16227" Revision="1" Stencil="7276b9ef-3953-4dce-a89b-ed85f20b8b93" StencilVersion="1.0"/>
-</Control>
-</file>
-
-<file path=customXml/item38.xml><?xml version="1.0" encoding="utf-8"?>
-<Control xmlns="http://schemas.microsoft.com/VisualStudio/2011/storyboarding/control">
-  <Id Name="a53d73d2-368b-429e-b817-1324eec1382c" Revision="1" Stencil="7276b9ef-3953-4dce-a89b-ed85f20b8b93" StencilVersion="1.0"/>
-</Control>
-</file>
-
-<file path=customXml/item39.xml><?xml version="1.0" encoding="utf-8"?>
-<Control xmlns="http://schemas.microsoft.com/VisualStudio/2011/storyboarding/control">
-  <Id Name="369f9055-6b6c-48b9-9320-5df2d46c430a" Revision="1" Stencil="7276b9ef-3953-4dce-a89b-ed85f20b8b93" StencilVersion="1.0"/>
-</Control>
-</file>
-
-<file path=customXml/item4.xml><?xml version="1.0" encoding="utf-8"?>
-<Control xmlns="http://schemas.microsoft.com/VisualStudio/2011/storyboarding/control">
-  <Id Name="a53d73d2-368b-429e-b817-1324eec1382c" Revision="1" Stencil="7276b9ef-3953-4dce-a89b-ed85f20b8b93" StencilVersion="1.0"/>
-</Control>
-</file>
-
-<file path=customXml/item40.xml><?xml version="1.0" encoding="utf-8"?>
-<Control xmlns="http://schemas.microsoft.com/VisualStudio/2011/storyboarding/control">
-  <Id Name="a53d73d2-368b-429e-b817-1324eec1382c" Revision="1" Stencil="7276b9ef-3953-4dce-a89b-ed85f20b8b93" StencilVersion="1.0"/>
-</Control>
-</file>
-
-<file path=customXml/item41.xml><?xml version="1.0" encoding="utf-8"?>
-<Control xmlns="http://schemas.microsoft.com/VisualStudio/2011/storyboarding/control">
-  <Id Name="369f9055-6b6c-48b9-9320-5df2d46c430a" Revision="1" Stencil="7276b9ef-3953-4dce-a89b-ed85f20b8b93" StencilVersion="1.0"/>
-</Control>
-</file>
-
-<file path=customXml/item42.xml><?xml version="1.0" encoding="utf-8"?>
-<Control xmlns="http://schemas.microsoft.com/VisualStudio/2011/storyboarding/control">
-  <Id Name="fb22c541-ded0-47fa-8877-83a4c2d16227" Revision="1" Stencil="7276b9ef-3953-4dce-a89b-ed85f20b8b93" StencilVersion="1.0"/>
-</Control>
-</file>
-
-<file path=customXml/item43.xml><?xml version="1.0" encoding="utf-8"?>
-<Control xmlns="http://schemas.microsoft.com/VisualStudio/2011/storyboarding/control">
-  <Id Name="a2191c86-fc50-4add-948c-129f6b5a88d8" Revision="1" Stencil="7276b9ef-3953-4dce-a89b-ed85f20b8b93" StencilVersion="1.0"/>
-</Control>
-</file>
-
-<file path=customXml/item44.xml><?xml version="1.0" encoding="utf-8"?>
-<p:properties xmlns:p="http://schemas.microsoft.com/office/2006/metadata/properties" xmlns:xsi="http://www.w3.org/2001/XMLSchema-instance" xmlns:pc="http://schemas.microsoft.com/office/infopath/2007/PartnerControls">
-  <documentManagement>
-    <SharedWithUsers xmlns="83cd2334-221a-48c3-9034-bfd1542dfe28">
-      <UserInfo>
-        <DisplayName>Gilad Turbahn</DisplayName>
-        <AccountId>511</AccountId>
-        <AccountType/>
-      </UserInfo>
-      <UserInfo>
-        <DisplayName>Keith Boyd</DisplayName>
-        <AccountId>993</AccountId>
-        <AccountType/>
-      </UserInfo>
-      <UserInfo>
-        <DisplayName>Christopher Harrison</DisplayName>
-        <AccountId>1176</AccountId>
-        <AccountType/>
-      </UserInfo>
-    </SharedWithUsers>
-  </documentManagement>
-</p:properties>
-</file>
-
-<file path=customXml/item45.xml><?xml version="1.0" encoding="utf-8"?>
-<Control xmlns="http://schemas.microsoft.com/VisualStudio/2011/storyboarding/control">
-  <Id Name="a2191c86-fc50-4add-948c-129f6b5a88d8" Revision="1" Stencil="7276b9ef-3953-4dce-a89b-ed85f20b8b93" StencilVersion="1.0"/>
-</Control>
-</file>
-
-<file path=customXml/item46.xml><?xml version="1.0" encoding="utf-8"?>
+<file path=customXml/item9.xml><?xml version="1.0" encoding="utf-8"?>
 <Control xmlns="http://schemas.microsoft.com/VisualStudio/2011/storyboarding/control">
   <Id Name="d69996e1-3d61-4686-9b63-f1b855c596ab" Revision="1" Stencil="7276b9ef-3953-4dce-a89b-ed85f20b8b93" StencilVersion="1.0"/>
 </Control>
 </file>
 
-<file path=customXml/item47.xml><?xml version="1.0" encoding="utf-8"?>
-<Control xmlns="http://schemas.microsoft.com/VisualStudio/2011/storyboarding/control">
-  <Id Name="fb22c541-ded0-47fa-8877-83a4c2d16227" Revision="1" Stencil="7276b9ef-3953-4dce-a89b-ed85f20b8b93" StencilVersion="1.0"/>
-</Control>
-</file>
-
-<file path=customXml/item48.xml><?xml version="1.0" encoding="utf-8"?>
-<Control xmlns="http://schemas.microsoft.com/VisualStudio/2011/storyboarding/control">
-  <Id Name="a2191c86-fc50-4add-948c-129f6b5a88d8" Revision="1" Stencil="7276b9ef-3953-4dce-a89b-ed85f20b8b93" StencilVersion="1.0"/>
-</Control>
-</file>
-
-<file path=customXml/item49.xml><?xml version="1.0" encoding="utf-8"?>
-<Control xmlns="http://schemas.microsoft.com/VisualStudio/2011/storyboarding/control">
-  <Id Name="a2191c86-fc50-4add-948c-129f6b5a88d8" Revision="1" Stencil="7276b9ef-3953-4dce-a89b-ed85f20b8b93" StencilVersion="1.0"/>
-</Control>
-</file>
-
-<file path=customXml/item5.xml><?xml version="1.0" encoding="utf-8"?>
-<?mso-contentType ?>
-<FormTemplates xmlns="http://schemas.microsoft.com/sharepoint/v3/contenttype/forms">
-  <Display>DocumentLibraryForm</Display>
-  <Edit>DocumentLibraryForm</Edit>
-  <New>DocumentLibraryForm</New>
-</FormTemplates>
-</file>
-
-<file path=customXml/item6.xml><?xml version="1.0" encoding="utf-8"?>
-<p:properties xmlns:p="http://schemas.microsoft.com/office/2006/metadata/properties" xmlns:xsi="http://www.w3.org/2001/XMLSchema-instance" xmlns:pc="http://schemas.microsoft.com/office/infopath/2007/PartnerControls">
-  <documentManagement>
-    <SharedWithUsers xmlns="83cd2334-221a-48c3-9034-bfd1542dfe28">
-      <UserInfo>
-        <DisplayName>Gilad Turbahn</DisplayName>
-        <AccountId>511</AccountId>
-        <AccountType/>
-      </UserInfo>
-      <UserInfo>
-        <DisplayName>Keith Boyd</DisplayName>
-        <AccountId>993</AccountId>
-        <AccountType/>
-      </UserInfo>
-      <UserInfo>
-        <DisplayName>Christopher Harrison</DisplayName>
-        <AccountId>1176</AccountId>
-        <AccountType/>
-      </UserInfo>
-    </SharedWithUsers>
-  </documentManagement>
-</p:properties>
-</file>
-
-<file path=customXml/item7.xml><?xml version="1.0" encoding="utf-8"?>
-<Control xmlns="http://schemas.microsoft.com/VisualStudio/2011/storyboarding/control">
-  <Id Name="fb22c541-ded0-47fa-8877-83a4c2d16227" Revision="1" Stencil="7276b9ef-3953-4dce-a89b-ed85f20b8b93" StencilVersion="1.0"/>
-</Control>
-</file>
-
-<file path=customXml/item8.xml><?xml version="1.0" encoding="utf-8"?>
-<p:properties xmlns:p="http://schemas.microsoft.com/office/2006/metadata/properties" xmlns:xsi="http://www.w3.org/2001/XMLSchema-instance" xmlns:pc="http://schemas.microsoft.com/office/infopath/2007/PartnerControls">
-  <documentManagement>
-    <SharedWithUsers xmlns="83cd2334-221a-48c3-9034-bfd1542dfe28">
-      <UserInfo>
-        <DisplayName>Gilad Turbahn</DisplayName>
-        <AccountId>511</AccountId>
-        <AccountType/>
-      </UserInfo>
-      <UserInfo>
-        <DisplayName>Keith Boyd</DisplayName>
-        <AccountId>993</AccountId>
-        <AccountType/>
-      </UserInfo>
-      <UserInfo>
-        <DisplayName>Christopher Harrison</DisplayName>
-        <AccountId>1176</AccountId>
-        <AccountType/>
-      </UserInfo>
-    </SharedWithUsers>
-  </documentManagement>
-</p:properties>
-</file>
-
-<file path=customXml/item9.xml><?xml version="1.0" encoding="utf-8"?>
-<Control xmlns="http://schemas.microsoft.com/VisualStudio/2011/storyboarding/control">
-  <Id Name="a53d73d2-368b-429e-b817-1324eec1382c" Revision="1" Stencil="7276b9ef-3953-4dce-a89b-ed85f20b8b93" StencilVersion="1.0"/>
-</Control>
-</file>
-
 <file path=customXml/itemProps1.xml><?xml version="1.0" encoding="utf-8"?>
-<ds:datastoreItem xmlns:ds="http://schemas.openxmlformats.org/officeDocument/2006/customXml" ds:itemID="{08C4EE12-DF69-4FFC-9E40-C7991F3490A6}">
+<ds:datastoreItem xmlns:ds="http://schemas.openxmlformats.org/officeDocument/2006/customXml" ds:itemID="{B5105A87-47B6-44F6-97FD-4619C0556604}">
   <ds:schemaRefs>
     <ds:schemaRef ds:uri="http://schemas.microsoft.com/VisualStudio/2011/storyboarding/control"/>
   </ds:schemaRefs>
@@ -48218,7 +48218,7 @@
 </file>
 
 <file path=customXml/itemProps10.xml><?xml version="1.0" encoding="utf-8"?>
-<ds:datastoreItem xmlns:ds="http://schemas.openxmlformats.org/officeDocument/2006/customXml" ds:itemID="{4C1B3C27-4803-4D72-A3F8-6668A3F0A24B}">
+<ds:datastoreItem xmlns:ds="http://schemas.openxmlformats.org/officeDocument/2006/customXml" ds:itemID="{376216F9-AF6B-4844-AE8C-B9F953F916AB}">
   <ds:schemaRefs>
     <ds:schemaRef ds:uri="http://schemas.microsoft.com/VisualStudio/2011/storyboarding/control"/>
   </ds:schemaRefs>
@@ -48226,15 +48226,15 @@
 </file>
 
 <file path=customXml/itemProps11.xml><?xml version="1.0" encoding="utf-8"?>
-<ds:datastoreItem xmlns:ds="http://schemas.openxmlformats.org/officeDocument/2006/customXml" ds:itemID="{8E7D1C6F-2F1C-4FF7-8E81-B00199180E81}">
+<ds:datastoreItem xmlns:ds="http://schemas.openxmlformats.org/officeDocument/2006/customXml" ds:itemID="{432851C6-BC05-4673-B853-6D08AB80CDC4}">
   <ds:schemaRefs>
-    <ds:schemaRef ds:uri="http://schemas.microsoft.com/sharepoint/v3/contenttype/forms"/>
+    <ds:schemaRef ds:uri="http://schemas.microsoft.com/VisualStudio/2011/storyboarding/control"/>
   </ds:schemaRefs>
 </ds:datastoreItem>
 </file>
 
 <file path=customXml/itemProps12.xml><?xml version="1.0" encoding="utf-8"?>
-<ds:datastoreItem xmlns:ds="http://schemas.openxmlformats.org/officeDocument/2006/customXml" ds:itemID="{3C954CC5-1CAC-4EC3-9791-8630483065B9}">
+<ds:datastoreItem xmlns:ds="http://schemas.openxmlformats.org/officeDocument/2006/customXml" ds:itemID="{6FB9D450-4C47-4A44-8C0D-C78D8A54C46F}">
   <ds:schemaRefs>
     <ds:schemaRef ds:uri="http://schemas.microsoft.com/VisualStudio/2011/storyboarding/control"/>
   </ds:schemaRefs>
@@ -48242,19 +48242,17 @@
 </file>
 
 <file path=customXml/itemProps13.xml><?xml version="1.0" encoding="utf-8"?>
-<ds:datastoreItem xmlns:ds="http://schemas.openxmlformats.org/officeDocument/2006/customXml" ds:itemID="{8CFA17AA-8D1D-41BA-81E2-B1C9B1D8F8E0}">
+<ds:datastoreItem xmlns:ds="http://schemas.openxmlformats.org/officeDocument/2006/customXml" ds:itemID="{D4B5F268-5930-44CD-BDF1-D0A04D4BBC1C}">
   <ds:schemaRefs>
-    <ds:schemaRef ds:uri="http://schemas.microsoft.com/sharepoint/v3/contenttype/forms"/>
+    <ds:schemaRef ds:uri="http://schemas.microsoft.com/VisualStudio/2011/storyboarding/control"/>
   </ds:schemaRefs>
 </ds:datastoreItem>
 </file>
 
 <file path=customXml/itemProps14.xml><?xml version="1.0" encoding="utf-8"?>
-<ds:datastoreItem xmlns:ds="http://schemas.openxmlformats.org/officeDocument/2006/customXml" ds:itemID="{CA892322-6599-4C5A-B402-BE6DBAED9B8E}">
+<ds:datastoreItem xmlns:ds="http://schemas.openxmlformats.org/officeDocument/2006/customXml" ds:itemID="{1EF25EC2-965B-4491-9691-6B806C9E3B8B}">
   <ds:schemaRefs>
-    <ds:schemaRef ds:uri="http://schemas.microsoft.com/office/2006/metadata/properties"/>
-    <ds:schemaRef ds:uri="http://schemas.microsoft.com/office/infopath/2007/PartnerControls"/>
-    <ds:schemaRef ds:uri="83cd2334-221a-48c3-9034-bfd1542dfe28"/>
+    <ds:schemaRef ds:uri="http://schemas.microsoft.com/sharepoint/v3/contenttype/forms"/>
   </ds:schemaRefs>
 </ds:datastoreItem>
 </file>
@@ -48270,6 +48268,224 @@
 </file>
 
 <file path=customXml/itemProps16.xml><?xml version="1.0" encoding="utf-8"?>
+<ds:datastoreItem xmlns:ds="http://schemas.openxmlformats.org/officeDocument/2006/customXml" ds:itemID="{21F6B647-976A-41D0-B760-9DF9DFC6AE3C}">
+  <ds:schemaRefs>
+    <ds:schemaRef ds:uri="http://schemas.microsoft.com/VisualStudio/2011/storyboarding/control"/>
+  </ds:schemaRefs>
+</ds:datastoreItem>
+</file>
+
+<file path=customXml/itemProps17.xml><?xml version="1.0" encoding="utf-8"?>
+<ds:datastoreItem xmlns:ds="http://schemas.openxmlformats.org/officeDocument/2006/customXml" ds:itemID="{0282FB20-2D4C-459D-8468-77D1D3C6925D}">
+  <ds:schemaRefs>
+    <ds:schemaRef ds:uri="http://schemas.microsoft.com/VisualStudio/2011/storyboarding/control"/>
+  </ds:schemaRefs>
+</ds:datastoreItem>
+</file>
+
+<file path=customXml/itemProps18.xml><?xml version="1.0" encoding="utf-8"?>
+<ds:datastoreItem xmlns:ds="http://schemas.openxmlformats.org/officeDocument/2006/customXml" ds:itemID="{479863CC-31E1-4D69-82E8-783AC6DA0219}">
+  <ds:schemaRefs>
+    <ds:schemaRef ds:uri="http://schemas.microsoft.com/sharepoint/v3/contenttype/forms"/>
+  </ds:schemaRefs>
+</ds:datastoreItem>
+</file>
+
+<file path=customXml/itemProps19.xml><?xml version="1.0" encoding="utf-8"?>
+<ds:datastoreItem xmlns:ds="http://schemas.openxmlformats.org/officeDocument/2006/customXml" ds:itemID="{0B54C583-7BAB-4080-8093-C5F84F5A225A}">
+  <ds:schemaRefs>
+    <ds:schemaRef ds:uri="http://schemas.microsoft.com/VisualStudio/2011/storyboarding/control"/>
+  </ds:schemaRefs>
+</ds:datastoreItem>
+</file>
+
+<file path=customXml/itemProps2.xml><?xml version="1.0" encoding="utf-8"?>
+<ds:datastoreItem xmlns:ds="http://schemas.openxmlformats.org/officeDocument/2006/customXml" ds:itemID="{D6FEE829-2115-45B4-8110-670FD454542B}">
+  <ds:schemaRefs>
+    <ds:schemaRef ds:uri="http://schemas.microsoft.com/VisualStudio/2011/storyboarding/control"/>
+  </ds:schemaRefs>
+</ds:datastoreItem>
+</file>
+
+<file path=customXml/itemProps20.xml><?xml version="1.0" encoding="utf-8"?>
+<ds:datastoreItem xmlns:ds="http://schemas.openxmlformats.org/officeDocument/2006/customXml" ds:itemID="{4C1B3C27-4803-4D72-A3F8-6668A3F0A24B}">
+  <ds:schemaRefs>
+    <ds:schemaRef ds:uri="http://schemas.microsoft.com/VisualStudio/2011/storyboarding/control"/>
+  </ds:schemaRefs>
+</ds:datastoreItem>
+</file>
+
+<file path=customXml/itemProps21.xml><?xml version="1.0" encoding="utf-8"?>
+<ds:datastoreItem xmlns:ds="http://schemas.openxmlformats.org/officeDocument/2006/customXml" ds:itemID="{F68D8396-E21C-4AFF-8FDD-70D00673D0EE}">
+  <ds:schemaRefs>
+    <ds:schemaRef ds:uri="http://schemas.microsoft.com/VisualStudio/2011/storyboarding/control"/>
+  </ds:schemaRefs>
+</ds:datastoreItem>
+</file>
+
+<file path=customXml/itemProps22.xml><?xml version="1.0" encoding="utf-8"?>
+<ds:datastoreItem xmlns:ds="http://schemas.openxmlformats.org/officeDocument/2006/customXml" ds:itemID="{473A6A21-7521-4B81-9336-9B587BA12275}">
+  <ds:schemaRefs>
+    <ds:schemaRef ds:uri="http://schemas.microsoft.com/office/2006/metadata/properties"/>
+    <ds:schemaRef ds:uri="http://schemas.microsoft.com/office/infopath/2007/PartnerControls"/>
+    <ds:schemaRef ds:uri="83cd2334-221a-48c3-9034-bfd1542dfe28"/>
+  </ds:schemaRefs>
+</ds:datastoreItem>
+</file>
+
+<file path=customXml/itemProps23.xml><?xml version="1.0" encoding="utf-8"?>
+<ds:datastoreItem xmlns:ds="http://schemas.openxmlformats.org/officeDocument/2006/customXml" ds:itemID="{92635D88-0993-4B04-96FB-0CD3C29A8A44}">
+  <ds:schemaRefs>
+    <ds:schemaRef ds:uri="http://schemas.microsoft.com/office/2006/metadata/properties"/>
+    <ds:schemaRef ds:uri="http://schemas.microsoft.com/office/infopath/2007/PartnerControls"/>
+    <ds:schemaRef ds:uri="83cd2334-221a-48c3-9034-bfd1542dfe28"/>
+  </ds:schemaRefs>
+</ds:datastoreItem>
+</file>
+
+<file path=customXml/itemProps24.xml><?xml version="1.0" encoding="utf-8"?>
+<ds:datastoreItem xmlns:ds="http://schemas.openxmlformats.org/officeDocument/2006/customXml" ds:itemID="{ED350DFE-2319-4AB0-BC96-1D36D125365A}">
+  <ds:schemaRefs>
+    <ds:schemaRef ds:uri="http://schemas.microsoft.com/VisualStudio/2011/storyboarding/control"/>
+  </ds:schemaRefs>
+</ds:datastoreItem>
+</file>
+
+<file path=customXml/itemProps25.xml><?xml version="1.0" encoding="utf-8"?>
+<ds:datastoreItem xmlns:ds="http://schemas.openxmlformats.org/officeDocument/2006/customXml" ds:itemID="{8893E80D-6D0C-4E0F-AA22-E5615BB87E5B}">
+  <ds:schemaRefs>
+    <ds:schemaRef ds:uri="http://schemas.microsoft.com/VisualStudio/2011/storyboarding/control"/>
+  </ds:schemaRefs>
+</ds:datastoreItem>
+</file>
+
+<file path=customXml/itemProps26.xml><?xml version="1.0" encoding="utf-8"?>
+<ds:datastoreItem xmlns:ds="http://schemas.openxmlformats.org/officeDocument/2006/customXml" ds:itemID="{CA892322-6599-4C5A-B402-BE6DBAED9B8E}">
+  <ds:schemaRefs>
+    <ds:schemaRef ds:uri="http://schemas.microsoft.com/office/2006/metadata/properties"/>
+    <ds:schemaRef ds:uri="http://schemas.microsoft.com/office/infopath/2007/PartnerControls"/>
+    <ds:schemaRef ds:uri="83cd2334-221a-48c3-9034-bfd1542dfe28"/>
+  </ds:schemaRefs>
+</ds:datastoreItem>
+</file>
+
+<file path=customXml/itemProps27.xml><?xml version="1.0" encoding="utf-8"?>
+<ds:datastoreItem xmlns:ds="http://schemas.openxmlformats.org/officeDocument/2006/customXml" ds:itemID="{470353D1-3545-4BE2-A17C-548BF46AD9BC}">
+  <ds:schemaRefs>
+    <ds:schemaRef ds:uri="http://schemas.microsoft.com/sharepoint/v3/contenttype/forms"/>
+  </ds:schemaRefs>
+</ds:datastoreItem>
+</file>
+
+<file path=customXml/itemProps28.xml><?xml version="1.0" encoding="utf-8"?>
+<ds:datastoreItem xmlns:ds="http://schemas.openxmlformats.org/officeDocument/2006/customXml" ds:itemID="{8BD595CA-AC5E-43B9-B966-E468A16E8322}">
+  <ds:schemaRefs>
+    <ds:schemaRef ds:uri="http://schemas.microsoft.com/VisualStudio/2011/storyboarding/control"/>
+  </ds:schemaRefs>
+</ds:datastoreItem>
+</file>
+
+<file path=customXml/itemProps29.xml><?xml version="1.0" encoding="utf-8"?>
+<ds:datastoreItem xmlns:ds="http://schemas.openxmlformats.org/officeDocument/2006/customXml" ds:itemID="{3DC6CABD-46E1-4C27-A0B3-616DC56F8E5C}">
+  <ds:schemaRefs>
+    <ds:schemaRef ds:uri="http://schemas.microsoft.com/VisualStudio/2011/storyboarding/control"/>
+  </ds:schemaRefs>
+</ds:datastoreItem>
+</file>
+
+<file path=customXml/itemProps3.xml><?xml version="1.0" encoding="utf-8"?>
+<ds:datastoreItem xmlns:ds="http://schemas.openxmlformats.org/officeDocument/2006/customXml" ds:itemID="{42D603BF-B513-4201-A599-21BA0F4FFC40}">
+  <ds:schemaRefs>
+    <ds:schemaRef ds:uri="http://schemas.microsoft.com/VisualStudio/2011/storyboarding/control"/>
+  </ds:schemaRefs>
+</ds:datastoreItem>
+</file>
+
+<file path=customXml/itemProps30.xml><?xml version="1.0" encoding="utf-8"?>
+<ds:datastoreItem xmlns:ds="http://schemas.openxmlformats.org/officeDocument/2006/customXml" ds:itemID="{38217AA1-CC95-49A9-B284-2ED4D347D7CA}">
+  <ds:schemaRefs>
+    <ds:schemaRef ds:uri="http://schemas.microsoft.com/VisualStudio/2011/storyboarding/control"/>
+  </ds:schemaRefs>
+</ds:datastoreItem>
+</file>
+
+<file path=customXml/itemProps31.xml><?xml version="1.0" encoding="utf-8"?>
+<ds:datastoreItem xmlns:ds="http://schemas.openxmlformats.org/officeDocument/2006/customXml" ds:itemID="{4B16F4FE-7C26-4443-B426-81998D23ED87}">
+  <ds:schemaRefs>
+    <ds:schemaRef ds:uri="http://schemas.microsoft.com/VisualStudio/2011/storyboarding/control"/>
+  </ds:schemaRefs>
+</ds:datastoreItem>
+</file>
+
+<file path=customXml/itemProps32.xml><?xml version="1.0" encoding="utf-8"?>
+<ds:datastoreItem xmlns:ds="http://schemas.openxmlformats.org/officeDocument/2006/customXml" ds:itemID="{8257D6BC-B71E-4D95-81E4-A1D4A8174168}">
+  <ds:schemaRefs>
+    <ds:schemaRef ds:uri="http://schemas.microsoft.com/VisualStudio/2011/storyboarding/control"/>
+  </ds:schemaRefs>
+</ds:datastoreItem>
+</file>
+
+<file path=customXml/itemProps33.xml><?xml version="1.0" encoding="utf-8"?>
+<ds:datastoreItem xmlns:ds="http://schemas.openxmlformats.org/officeDocument/2006/customXml" ds:itemID="{B18102BA-C10B-41D1-8610-3D321D638DD2}">
+  <ds:schemaRefs>
+    <ds:schemaRef ds:uri="http://schemas.microsoft.com/office/2006/metadata/properties"/>
+    <ds:schemaRef ds:uri="http://schemas.microsoft.com/office/infopath/2007/PartnerControls"/>
+    <ds:schemaRef ds:uri="83cd2334-221a-48c3-9034-bfd1542dfe28"/>
+  </ds:schemaRefs>
+</ds:datastoreItem>
+</file>
+
+<file path=customXml/itemProps34.xml><?xml version="1.0" encoding="utf-8"?>
+<ds:datastoreItem xmlns:ds="http://schemas.openxmlformats.org/officeDocument/2006/customXml" ds:itemID="{C63AC2F0-1DEB-4E91-A88A-7A014A172F4F}">
+  <ds:schemaRefs>
+    <ds:schemaRef ds:uri="http://schemas.microsoft.com/VisualStudio/2011/storyboarding/control"/>
+  </ds:schemaRefs>
+</ds:datastoreItem>
+</file>
+
+<file path=customXml/itemProps35.xml><?xml version="1.0" encoding="utf-8"?>
+<ds:datastoreItem xmlns:ds="http://schemas.openxmlformats.org/officeDocument/2006/customXml" ds:itemID="{3C954CC5-1CAC-4EC3-9791-8630483065B9}">
+  <ds:schemaRefs>
+    <ds:schemaRef ds:uri="http://schemas.microsoft.com/VisualStudio/2011/storyboarding/control"/>
+  </ds:schemaRefs>
+</ds:datastoreItem>
+</file>
+
+<file path=customXml/itemProps36.xml><?xml version="1.0" encoding="utf-8"?>
+<ds:datastoreItem xmlns:ds="http://schemas.openxmlformats.org/officeDocument/2006/customXml" ds:itemID="{9360AFB9-8F99-4E1B-878D-F2EBABEB164C}">
+  <ds:schemaRefs>
+    <ds:schemaRef ds:uri="http://schemas.microsoft.com/sharepoint/v3/contenttype/forms"/>
+  </ds:schemaRefs>
+</ds:datastoreItem>
+</file>
+
+<file path=customXml/itemProps37.xml><?xml version="1.0" encoding="utf-8"?>
+<ds:datastoreItem xmlns:ds="http://schemas.openxmlformats.org/officeDocument/2006/customXml" ds:itemID="{1C76383C-FD09-474B-94B3-126FB1A7D094}">
+  <ds:schemaRefs>
+    <ds:schemaRef ds:uri="http://schemas.microsoft.com/office/2006/metadata/properties"/>
+    <ds:schemaRef ds:uri="http://schemas.microsoft.com/office/infopath/2007/PartnerControls"/>
+    <ds:schemaRef ds:uri="83cd2334-221a-48c3-9034-bfd1542dfe28"/>
+  </ds:schemaRefs>
+</ds:datastoreItem>
+</file>
+
+<file path=customXml/itemProps38.xml><?xml version="1.0" encoding="utf-8"?>
+<ds:datastoreItem xmlns:ds="http://schemas.openxmlformats.org/officeDocument/2006/customXml" ds:itemID="{2F30C844-8093-47D2-A9B2-B7BEE821CE68}">
+  <ds:schemaRefs>
+    <ds:schemaRef ds:uri="http://schemas.microsoft.com/sharepoint/v3/contenttype/forms"/>
+  </ds:schemaRefs>
+</ds:datastoreItem>
+</file>
+
+<file path=customXml/itemProps39.xml><?xml version="1.0" encoding="utf-8"?>
+<ds:datastoreItem xmlns:ds="http://schemas.openxmlformats.org/officeDocument/2006/customXml" ds:itemID="{4E805D65-1532-4BB0-8F41-8013167C0009}">
+  <ds:schemaRefs>
+    <ds:schemaRef ds:uri="http://schemas.microsoft.com/VisualStudio/2011/storyboarding/control"/>
+  </ds:schemaRefs>
+</ds:datastoreItem>
+</file>
+
+<file path=customXml/itemProps4.xml><?xml version="1.0" encoding="utf-8"?>
 <ds:datastoreItem xmlns:ds="http://schemas.openxmlformats.org/officeDocument/2006/customXml" ds:itemID="{17A7EC28-79CF-44E6-BA48-85916A7F29F5}">
   <ds:schemaRefs>
     <ds:schemaRef ds:uri="http://schemas.microsoft.com/office/2006/metadata/properties"/>
@@ -48279,39 +48495,15 @@
 </ds:datastoreItem>
 </file>
 
-<file path=customXml/itemProps17.xml><?xml version="1.0" encoding="utf-8"?>
-<ds:datastoreItem xmlns:ds="http://schemas.openxmlformats.org/officeDocument/2006/customXml" ds:itemID="{9360AFB9-8F99-4E1B-878D-F2EBABEB164C}">
-  <ds:schemaRefs>
-    <ds:schemaRef ds:uri="http://schemas.microsoft.com/sharepoint/v3/contenttype/forms"/>
-  </ds:schemaRefs>
-</ds:datastoreItem>
-</file>
-
-<file path=customXml/itemProps18.xml><?xml version="1.0" encoding="utf-8"?>
-<ds:datastoreItem xmlns:ds="http://schemas.openxmlformats.org/officeDocument/2006/customXml" ds:itemID="{71AE1ABA-EE71-4D7C-AE19-D2A04FC317D0}">
-  <ds:schemaRefs>
-    <ds:schemaRef ds:uri="http://schemas.microsoft.com/sharepoint/v3/contenttype/forms"/>
-  </ds:schemaRefs>
-</ds:datastoreItem>
-</file>
-
-<file path=customXml/itemProps19.xml><?xml version="1.0" encoding="utf-8"?>
-<ds:datastoreItem xmlns:ds="http://schemas.openxmlformats.org/officeDocument/2006/customXml" ds:itemID="{F68D8396-E21C-4AFF-8FDD-70D00673D0EE}">
+<file path=customXml/itemProps40.xml><?xml version="1.0" encoding="utf-8"?>
+<ds:datastoreItem xmlns:ds="http://schemas.openxmlformats.org/officeDocument/2006/customXml" ds:itemID="{C0F92A87-A216-45A9-B9C0-0515663D35BF}">
   <ds:schemaRefs>
     <ds:schemaRef ds:uri="http://schemas.microsoft.com/VisualStudio/2011/storyboarding/control"/>
   </ds:schemaRefs>
 </ds:datastoreItem>
 </file>
 
-<file path=customXml/itemProps2.xml><?xml version="1.0" encoding="utf-8"?>
-<ds:datastoreItem xmlns:ds="http://schemas.openxmlformats.org/officeDocument/2006/customXml" ds:itemID="{42D603BF-B513-4201-A599-21BA0F4FFC40}">
-  <ds:schemaRefs>
-    <ds:schemaRef ds:uri="http://schemas.microsoft.com/VisualStudio/2011/storyboarding/control"/>
-  </ds:schemaRefs>
-</ds:datastoreItem>
-</file>
-
-<file path=customXml/itemProps20.xml><?xml version="1.0" encoding="utf-8"?>
+<file path=customXml/itemProps41.xml><?xml version="1.0" encoding="utf-8"?>
 <ds:datastoreItem xmlns:ds="http://schemas.openxmlformats.org/officeDocument/2006/customXml" ds:itemID="{11F98F69-7518-4AE2-AE7B-E037DC9DDC97}">
   <ds:schemaRefs>
     <ds:schemaRef ds:uri="http://schemas.microsoft.com/office/2006/metadata/contentType"/>
@@ -48329,7 +48521,47 @@
 </ds:datastoreItem>
 </file>
 
-<file path=customXml/itemProps21.xml><?xml version="1.0" encoding="utf-8"?>
+<file path=customXml/itemProps42.xml><?xml version="1.0" encoding="utf-8"?>
+<ds:datastoreItem xmlns:ds="http://schemas.openxmlformats.org/officeDocument/2006/customXml" ds:itemID="{82DB428A-B8F8-483F-8276-095629A8ECDB}">
+  <ds:schemaRefs>
+    <ds:schemaRef ds:uri="http://schemas.microsoft.com/VisualStudio/2011/storyboarding/control"/>
+  </ds:schemaRefs>
+</ds:datastoreItem>
+</file>
+
+<file path=customXml/itemProps43.xml><?xml version="1.0" encoding="utf-8"?>
+<ds:datastoreItem xmlns:ds="http://schemas.openxmlformats.org/officeDocument/2006/customXml" ds:itemID="{8CFA17AA-8D1D-41BA-81E2-B1C9B1D8F8E0}">
+  <ds:schemaRefs>
+    <ds:schemaRef ds:uri="http://schemas.microsoft.com/sharepoint/v3/contenttype/forms"/>
+  </ds:schemaRefs>
+</ds:datastoreItem>
+</file>
+
+<file path=customXml/itemProps44.xml><?xml version="1.0" encoding="utf-8"?>
+<ds:datastoreItem xmlns:ds="http://schemas.openxmlformats.org/officeDocument/2006/customXml" ds:itemID="{71AE1ABA-EE71-4D7C-AE19-D2A04FC317D0}">
+  <ds:schemaRefs>
+    <ds:schemaRef ds:uri="http://schemas.microsoft.com/sharepoint/v3/contenttype/forms"/>
+  </ds:schemaRefs>
+</ds:datastoreItem>
+</file>
+
+<file path=customXml/itemProps45.xml><?xml version="1.0" encoding="utf-8"?>
+<ds:datastoreItem xmlns:ds="http://schemas.openxmlformats.org/officeDocument/2006/customXml" ds:itemID="{7959CC6A-F423-4783-B968-3BCC86A7394E}">
+  <ds:schemaRefs>
+    <ds:schemaRef ds:uri="http://schemas.microsoft.com/VisualStudio/2011/storyboarding/control"/>
+  </ds:schemaRefs>
+</ds:datastoreItem>
+</file>
+
+<file path=customXml/itemProps46.xml><?xml version="1.0" encoding="utf-8"?>
+<ds:datastoreItem xmlns:ds="http://schemas.openxmlformats.org/officeDocument/2006/customXml" ds:itemID="{FE651ABA-5DC1-4ABD-A06E-055AE54B337B}">
+  <ds:schemaRefs>
+    <ds:schemaRef ds:uri="http://schemas.microsoft.com/VisualStudio/2011/storyboarding/control"/>
+  </ds:schemaRefs>
+</ds:datastoreItem>
+</file>
+
+<file path=customXml/itemProps47.xml><?xml version="1.0" encoding="utf-8"?>
 <ds:datastoreItem xmlns:ds="http://schemas.openxmlformats.org/officeDocument/2006/customXml" ds:itemID="{758FDAC0-319D-4A54-8D8E-1D42CB1F8004}">
   <ds:schemaRefs>
     <ds:schemaRef ds:uri="http://schemas.microsoft.com/sharepoint/v3/contenttype/forms"/>
@@ -48337,115 +48569,7 @@
 </ds:datastoreItem>
 </file>
 
-<file path=customXml/itemProps22.xml><?xml version="1.0" encoding="utf-8"?>
-<ds:datastoreItem xmlns:ds="http://schemas.openxmlformats.org/officeDocument/2006/customXml" ds:itemID="{470353D1-3545-4BE2-A17C-548BF46AD9BC}">
-  <ds:schemaRefs>
-    <ds:schemaRef ds:uri="http://schemas.microsoft.com/sharepoint/v3/contenttype/forms"/>
-  </ds:schemaRefs>
-</ds:datastoreItem>
-</file>
-
-<file path=customXml/itemProps23.xml><?xml version="1.0" encoding="utf-8"?>
-<ds:datastoreItem xmlns:ds="http://schemas.openxmlformats.org/officeDocument/2006/customXml" ds:itemID="{21F6B647-976A-41D0-B760-9DF9DFC6AE3C}">
-  <ds:schemaRefs>
-    <ds:schemaRef ds:uri="http://schemas.microsoft.com/VisualStudio/2011/storyboarding/control"/>
-  </ds:schemaRefs>
-</ds:datastoreItem>
-</file>
-
-<file path=customXml/itemProps24.xml><?xml version="1.0" encoding="utf-8"?>
-<ds:datastoreItem xmlns:ds="http://schemas.openxmlformats.org/officeDocument/2006/customXml" ds:itemID="{366CA990-F93D-4100-9654-65D9E30F4E1C}">
-  <ds:schemaRefs>
-    <ds:schemaRef ds:uri="http://schemas.microsoft.com/VisualStudio/2011/storyboarding/control"/>
-  </ds:schemaRefs>
-</ds:datastoreItem>
-</file>
-
-<file path=customXml/itemProps25.xml><?xml version="1.0" encoding="utf-8"?>
-<ds:datastoreItem xmlns:ds="http://schemas.openxmlformats.org/officeDocument/2006/customXml" ds:itemID="{1C76383C-FD09-474B-94B3-126FB1A7D094}">
-  <ds:schemaRefs>
-    <ds:schemaRef ds:uri="http://schemas.microsoft.com/office/2006/metadata/properties"/>
-    <ds:schemaRef ds:uri="http://schemas.microsoft.com/office/infopath/2007/PartnerControls"/>
-    <ds:schemaRef ds:uri="83cd2334-221a-48c3-9034-bfd1542dfe28"/>
-  </ds:schemaRefs>
-</ds:datastoreItem>
-</file>
-
-<file path=customXml/itemProps26.xml><?xml version="1.0" encoding="utf-8"?>
-<ds:datastoreItem xmlns:ds="http://schemas.openxmlformats.org/officeDocument/2006/customXml" ds:itemID="{7959CC6A-F423-4783-B968-3BCC86A7394E}">
-  <ds:schemaRefs>
-    <ds:schemaRef ds:uri="http://schemas.microsoft.com/VisualStudio/2011/storyboarding/control"/>
-  </ds:schemaRefs>
-</ds:datastoreItem>
-</file>
-
-<file path=customXml/itemProps27.xml><?xml version="1.0" encoding="utf-8"?>
-<ds:datastoreItem xmlns:ds="http://schemas.openxmlformats.org/officeDocument/2006/customXml" ds:itemID="{8BD595CA-AC5E-43B9-B966-E468A16E8322}">
-  <ds:schemaRefs>
-    <ds:schemaRef ds:uri="http://schemas.microsoft.com/VisualStudio/2011/storyboarding/control"/>
-  </ds:schemaRefs>
-</ds:datastoreItem>
-</file>
-
-<file path=customXml/itemProps28.xml><?xml version="1.0" encoding="utf-8"?>
-<ds:datastoreItem xmlns:ds="http://schemas.openxmlformats.org/officeDocument/2006/customXml" ds:itemID="{0282FB20-2D4C-459D-8468-77D1D3C6925D}">
-  <ds:schemaRefs>
-    <ds:schemaRef ds:uri="http://schemas.microsoft.com/VisualStudio/2011/storyboarding/control"/>
-  </ds:schemaRefs>
-</ds:datastoreItem>
-</file>
-
-<file path=customXml/itemProps29.xml><?xml version="1.0" encoding="utf-8"?>
-<ds:datastoreItem xmlns:ds="http://schemas.openxmlformats.org/officeDocument/2006/customXml" ds:itemID="{67213E6F-7B96-4222-888B-63710B06D885}">
-  <ds:schemaRefs>
-    <ds:schemaRef ds:uri="http://schemas.microsoft.com/VisualStudio/2011/storyboarding/control"/>
-  </ds:schemaRefs>
-</ds:datastoreItem>
-</file>
-
-<file path=customXml/itemProps3.xml><?xml version="1.0" encoding="utf-8"?>
-<ds:datastoreItem xmlns:ds="http://schemas.openxmlformats.org/officeDocument/2006/customXml" ds:itemID="{C63AC2F0-1DEB-4E91-A88A-7A014A172F4F}">
-  <ds:schemaRefs>
-    <ds:schemaRef ds:uri="http://schemas.microsoft.com/VisualStudio/2011/storyboarding/control"/>
-  </ds:schemaRefs>
-</ds:datastoreItem>
-</file>
-
-<file path=customXml/itemProps30.xml><?xml version="1.0" encoding="utf-8"?>
-<ds:datastoreItem xmlns:ds="http://schemas.openxmlformats.org/officeDocument/2006/customXml" ds:itemID="{3DC6CABD-46E1-4C27-A0B3-616DC56F8E5C}">
-  <ds:schemaRefs>
-    <ds:schemaRef ds:uri="http://schemas.microsoft.com/VisualStudio/2011/storyboarding/control"/>
-  </ds:schemaRefs>
-</ds:datastoreItem>
-</file>
-
-<file path=customXml/itemProps31.xml><?xml version="1.0" encoding="utf-8"?>
-<ds:datastoreItem xmlns:ds="http://schemas.openxmlformats.org/officeDocument/2006/customXml" ds:itemID="{473A6A21-7521-4B81-9336-9B587BA12275}">
-  <ds:schemaRefs>
-    <ds:schemaRef ds:uri="http://schemas.microsoft.com/office/2006/metadata/properties"/>
-    <ds:schemaRef ds:uri="http://schemas.microsoft.com/office/infopath/2007/PartnerControls"/>
-    <ds:schemaRef ds:uri="83cd2334-221a-48c3-9034-bfd1542dfe28"/>
-  </ds:schemaRefs>
-</ds:datastoreItem>
-</file>
-
-<file path=customXml/itemProps32.xml><?xml version="1.0" encoding="utf-8"?>
-<ds:datastoreItem xmlns:ds="http://schemas.openxmlformats.org/officeDocument/2006/customXml" ds:itemID="{376216F9-AF6B-4844-AE8C-B9F953F916AB}">
-  <ds:schemaRefs>
-    <ds:schemaRef ds:uri="http://schemas.microsoft.com/VisualStudio/2011/storyboarding/control"/>
-  </ds:schemaRefs>
-</ds:datastoreItem>
-</file>
-
-<file path=customXml/itemProps33.xml><?xml version="1.0" encoding="utf-8"?>
-<ds:datastoreItem xmlns:ds="http://schemas.openxmlformats.org/officeDocument/2006/customXml" ds:itemID="{2F30C844-8093-47D2-A9B2-B7BEE821CE68}">
-  <ds:schemaRefs>
-    <ds:schemaRef ds:uri="http://schemas.microsoft.com/sharepoint/v3/contenttype/forms"/>
-  </ds:schemaRefs>
-</ds:datastoreItem>
-</file>
-
-<file path=customXml/itemProps34.xml><?xml version="1.0" encoding="utf-8"?>
+<file path=customXml/itemProps48.xml><?xml version="1.0" encoding="utf-8"?>
 <ds:datastoreItem xmlns:ds="http://schemas.openxmlformats.org/officeDocument/2006/customXml" ds:itemID="{6018CCD6-C254-44D3-91D5-EC4D81FDEBEC}">
   <ds:schemaRefs>
     <ds:schemaRef ds:uri="http://schemas.microsoft.com/office/2006/metadata/properties"/>
@@ -48455,71 +48579,7 @@
 </ds:datastoreItem>
 </file>
 
-<file path=customXml/itemProps35.xml><?xml version="1.0" encoding="utf-8"?>
-<ds:datastoreItem xmlns:ds="http://schemas.openxmlformats.org/officeDocument/2006/customXml" ds:itemID="{38217AA1-CC95-49A9-B284-2ED4D347D7CA}">
-  <ds:schemaRefs>
-    <ds:schemaRef ds:uri="http://schemas.microsoft.com/VisualStudio/2011/storyboarding/control"/>
-  </ds:schemaRefs>
-</ds:datastoreItem>
-</file>
-
-<file path=customXml/itemProps36.xml><?xml version="1.0" encoding="utf-8"?>
-<ds:datastoreItem xmlns:ds="http://schemas.openxmlformats.org/officeDocument/2006/customXml" ds:itemID="{479863CC-31E1-4D69-82E8-783AC6DA0219}">
-  <ds:schemaRefs>
-    <ds:schemaRef ds:uri="http://schemas.microsoft.com/sharepoint/v3/contenttype/forms"/>
-  </ds:schemaRefs>
-</ds:datastoreItem>
-</file>
-
-<file path=customXml/itemProps37.xml><?xml version="1.0" encoding="utf-8"?>
-<ds:datastoreItem xmlns:ds="http://schemas.openxmlformats.org/officeDocument/2006/customXml" ds:itemID="{432851C6-BC05-4673-B853-6D08AB80CDC4}">
-  <ds:schemaRefs>
-    <ds:schemaRef ds:uri="http://schemas.microsoft.com/VisualStudio/2011/storyboarding/control"/>
-  </ds:schemaRefs>
-</ds:datastoreItem>
-</file>
-
-<file path=customXml/itemProps38.xml><?xml version="1.0" encoding="utf-8"?>
-<ds:datastoreItem xmlns:ds="http://schemas.openxmlformats.org/officeDocument/2006/customXml" ds:itemID="{4E805D65-1532-4BB0-8F41-8013167C0009}">
-  <ds:schemaRefs>
-    <ds:schemaRef ds:uri="http://schemas.microsoft.com/VisualStudio/2011/storyboarding/control"/>
-  </ds:schemaRefs>
-</ds:datastoreItem>
-</file>
-
-<file path=customXml/itemProps39.xml><?xml version="1.0" encoding="utf-8"?>
-<ds:datastoreItem xmlns:ds="http://schemas.openxmlformats.org/officeDocument/2006/customXml" ds:itemID="{FE651ABA-5DC1-4ABD-A06E-055AE54B337B}">
-  <ds:schemaRefs>
-    <ds:schemaRef ds:uri="http://schemas.microsoft.com/VisualStudio/2011/storyboarding/control"/>
-  </ds:schemaRefs>
-</ds:datastoreItem>
-</file>
-
-<file path=customXml/itemProps4.xml><?xml version="1.0" encoding="utf-8"?>
-<ds:datastoreItem xmlns:ds="http://schemas.openxmlformats.org/officeDocument/2006/customXml" ds:itemID="{ED350DFE-2319-4AB0-BC96-1D36D125365A}">
-  <ds:schemaRefs>
-    <ds:schemaRef ds:uri="http://schemas.microsoft.com/VisualStudio/2011/storyboarding/control"/>
-  </ds:schemaRefs>
-</ds:datastoreItem>
-</file>
-
-<file path=customXml/itemProps40.xml><?xml version="1.0" encoding="utf-8"?>
-<ds:datastoreItem xmlns:ds="http://schemas.openxmlformats.org/officeDocument/2006/customXml" ds:itemID="{6FB9D450-4C47-4A44-8C0D-C78D8A54C46F}">
-  <ds:schemaRefs>
-    <ds:schemaRef ds:uri="http://schemas.microsoft.com/VisualStudio/2011/storyboarding/control"/>
-  </ds:schemaRefs>
-</ds:datastoreItem>
-</file>
-
-<file path=customXml/itemProps41.xml><?xml version="1.0" encoding="utf-8"?>
-<ds:datastoreItem xmlns:ds="http://schemas.openxmlformats.org/officeDocument/2006/customXml" ds:itemID="{82DB428A-B8F8-483F-8276-095629A8ECDB}">
-  <ds:schemaRefs>
-    <ds:schemaRef ds:uri="http://schemas.microsoft.com/VisualStudio/2011/storyboarding/control"/>
-  </ds:schemaRefs>
-</ds:datastoreItem>
-</file>
-
-<file path=customXml/itemProps42.xml><?xml version="1.0" encoding="utf-8"?>
+<file path=customXml/itemProps49.xml><?xml version="1.0" encoding="utf-8"?>
 <ds:datastoreItem xmlns:ds="http://schemas.openxmlformats.org/officeDocument/2006/customXml" ds:itemID="{4E8278DB-3CDD-48A7-992E-A7596AD335B9}">
   <ds:schemaRefs>
     <ds:schemaRef ds:uri="http://schemas.microsoft.com/VisualStudio/2011/storyboarding/control"/>
@@ -48527,73 +48587,23 @@
 </ds:datastoreItem>
 </file>
 
-<file path=customXml/itemProps43.xml><?xml version="1.0" encoding="utf-8"?>
-<ds:datastoreItem xmlns:ds="http://schemas.openxmlformats.org/officeDocument/2006/customXml" ds:itemID="{4B16F4FE-7C26-4443-B426-81998D23ED87}">
+<file path=customXml/itemProps5.xml><?xml version="1.0" encoding="utf-8"?>
+<ds:datastoreItem xmlns:ds="http://schemas.openxmlformats.org/officeDocument/2006/customXml" ds:itemID="{67213E6F-7B96-4222-888B-63710B06D885}">
   <ds:schemaRefs>
     <ds:schemaRef ds:uri="http://schemas.microsoft.com/VisualStudio/2011/storyboarding/control"/>
   </ds:schemaRefs>
 </ds:datastoreItem>
 </file>
 
-<file path=customXml/itemProps44.xml><?xml version="1.0" encoding="utf-8"?>
-<ds:datastoreItem xmlns:ds="http://schemas.openxmlformats.org/officeDocument/2006/customXml" ds:itemID="{92635D88-0993-4B04-96FB-0CD3C29A8A44}">
-  <ds:schemaRefs>
-    <ds:schemaRef ds:uri="http://schemas.microsoft.com/office/2006/metadata/properties"/>
-    <ds:schemaRef ds:uri="http://schemas.microsoft.com/office/infopath/2007/PartnerControls"/>
-    <ds:schemaRef ds:uri="83cd2334-221a-48c3-9034-bfd1542dfe28"/>
-  </ds:schemaRefs>
-</ds:datastoreItem>
-</file>
-
-<file path=customXml/itemProps45.xml><?xml version="1.0" encoding="utf-8"?>
-<ds:datastoreItem xmlns:ds="http://schemas.openxmlformats.org/officeDocument/2006/customXml" ds:itemID="{D4B5F268-5930-44CD-BDF1-D0A04D4BBC1C}">
+<file path=customXml/itemProps6.xml><?xml version="1.0" encoding="utf-8"?>
+<ds:datastoreItem xmlns:ds="http://schemas.openxmlformats.org/officeDocument/2006/customXml" ds:itemID="{08C4EE12-DF69-4FFC-9E40-C7991F3490A6}">
   <ds:schemaRefs>
     <ds:schemaRef ds:uri="http://schemas.microsoft.com/VisualStudio/2011/storyboarding/control"/>
   </ds:schemaRefs>
 </ds:datastoreItem>
 </file>
 
-<file path=customXml/itemProps46.xml><?xml version="1.0" encoding="utf-8"?>
-<ds:datastoreItem xmlns:ds="http://schemas.openxmlformats.org/officeDocument/2006/customXml" ds:itemID="{C0F92A87-A216-45A9-B9C0-0515663D35BF}">
-  <ds:schemaRefs>
-    <ds:schemaRef ds:uri="http://schemas.microsoft.com/VisualStudio/2011/storyboarding/control"/>
-  </ds:schemaRefs>
-</ds:datastoreItem>
-</file>
-
-<file path=customXml/itemProps47.xml><?xml version="1.0" encoding="utf-8"?>
-<ds:datastoreItem xmlns:ds="http://schemas.openxmlformats.org/officeDocument/2006/customXml" ds:itemID="{B5105A87-47B6-44F6-97FD-4619C0556604}">
-  <ds:schemaRefs>
-    <ds:schemaRef ds:uri="http://schemas.microsoft.com/VisualStudio/2011/storyboarding/control"/>
-  </ds:schemaRefs>
-</ds:datastoreItem>
-</file>
-
-<file path=customXml/itemProps48.xml><?xml version="1.0" encoding="utf-8"?>
-<ds:datastoreItem xmlns:ds="http://schemas.openxmlformats.org/officeDocument/2006/customXml" ds:itemID="{8257D6BC-B71E-4D95-81E4-A1D4A8174168}">
-  <ds:schemaRefs>
-    <ds:schemaRef ds:uri="http://schemas.microsoft.com/VisualStudio/2011/storyboarding/control"/>
-  </ds:schemaRefs>
-</ds:datastoreItem>
-</file>
-
-<file path=customXml/itemProps49.xml><?xml version="1.0" encoding="utf-8"?>
-<ds:datastoreItem xmlns:ds="http://schemas.openxmlformats.org/officeDocument/2006/customXml" ds:itemID="{0B54C583-7BAB-4080-8093-C5F84F5A225A}">
-  <ds:schemaRefs>
-    <ds:schemaRef ds:uri="http://schemas.microsoft.com/VisualStudio/2011/storyboarding/control"/>
-  </ds:schemaRefs>
-</ds:datastoreItem>
-</file>
-
-<file path=customXml/itemProps5.xml><?xml version="1.0" encoding="utf-8"?>
-<ds:datastoreItem xmlns:ds="http://schemas.openxmlformats.org/officeDocument/2006/customXml" ds:itemID="{1EF25EC2-965B-4491-9691-6B806C9E3B8B}">
-  <ds:schemaRefs>
-    <ds:schemaRef ds:uri="http://schemas.microsoft.com/sharepoint/v3/contenttype/forms"/>
-  </ds:schemaRefs>
-</ds:datastoreItem>
-</file>
-
-<file path=customXml/itemProps6.xml><?xml version="1.0" encoding="utf-8"?>
+<file path=customXml/itemProps7.xml><?xml version="1.0" encoding="utf-8"?>
 <ds:datastoreItem xmlns:ds="http://schemas.openxmlformats.org/officeDocument/2006/customXml" ds:itemID="{F990F116-B58F-4255-B05B-DA3808E0E5C6}">
   <ds:schemaRefs>
     <ds:schemaRef ds:uri="http://schemas.microsoft.com/office/2006/metadata/properties"/>
@@ -48603,26 +48613,16 @@
 </ds:datastoreItem>
 </file>
 
-<file path=customXml/itemProps7.xml><?xml version="1.0" encoding="utf-8"?>
-<ds:datastoreItem xmlns:ds="http://schemas.openxmlformats.org/officeDocument/2006/customXml" ds:itemID="{D6FEE829-2115-45B4-8110-670FD454542B}">
+<file path=customXml/itemProps8.xml><?xml version="1.0" encoding="utf-8"?>
+<ds:datastoreItem xmlns:ds="http://schemas.openxmlformats.org/officeDocument/2006/customXml" ds:itemID="{8E7D1C6F-2F1C-4FF7-8E81-B00199180E81}">
   <ds:schemaRefs>
-    <ds:schemaRef ds:uri="http://schemas.microsoft.com/VisualStudio/2011/storyboarding/control"/>
-  </ds:schemaRefs>
-</ds:datastoreItem>
-</file>
-
-<file path=customXml/itemProps8.xml><?xml version="1.0" encoding="utf-8"?>
-<ds:datastoreItem xmlns:ds="http://schemas.openxmlformats.org/officeDocument/2006/customXml" ds:itemID="{B18102BA-C10B-41D1-8610-3D321D638DD2}">
-  <ds:schemaRefs>
-    <ds:schemaRef ds:uri="http://schemas.microsoft.com/office/2006/metadata/properties"/>
-    <ds:schemaRef ds:uri="http://schemas.microsoft.com/office/infopath/2007/PartnerControls"/>
-    <ds:schemaRef ds:uri="83cd2334-221a-48c3-9034-bfd1542dfe28"/>
+    <ds:schemaRef ds:uri="http://schemas.microsoft.com/sharepoint/v3/contenttype/forms"/>
   </ds:schemaRefs>
 </ds:datastoreItem>
 </file>
 
 <file path=customXml/itemProps9.xml><?xml version="1.0" encoding="utf-8"?>
-<ds:datastoreItem xmlns:ds="http://schemas.openxmlformats.org/officeDocument/2006/customXml" ds:itemID="{8893E80D-6D0C-4E0F-AA22-E5615BB87E5B}">
+<ds:datastoreItem xmlns:ds="http://schemas.openxmlformats.org/officeDocument/2006/customXml" ds:itemID="{366CA990-F93D-4100-9654-65D9E30F4E1C}">
   <ds:schemaRefs>
     <ds:schemaRef ds:uri="http://schemas.microsoft.com/VisualStudio/2011/storyboarding/control"/>
   </ds:schemaRefs>
